--- a/slides/klasse12.pptx
+++ b/slides/klasse12.pptx
@@ -115,6 +115,11 @@
       </a:defRPr>
     </a:lvl9pPr>
   </p:defaultTextStyle>
+  <p:extLst>
+    <p:ext uri="{EFAFB233-063F-42B5-8137-9DF3F51BA10A}">
+      <p15:sldGuideLst xmlns:p15="http://schemas.microsoft.com/office/powerpoint/2012/main"/>
+    </p:ext>
+  </p:extLst>
 </p:presentation>
 </file>
 
@@ -200,7 +205,7 @@
           <a:p>
             <a:fld id="{8264CF36-D25D-E240-BDE6-C60905756B65}" type="datetimeFigureOut">
               <a:rPr lang="en-US" smtClean="0"/>
-              <a:t>6/8/16</a:t>
+              <a:t>6/23/16</a:t>
             </a:fld>
             <a:endParaRPr lang="en-US"/>
           </a:p>
@@ -916,7 +921,7 @@
             <a:fld id="{B61BEF0D-F0BB-DE4B-95CE-6DB70DBA9567}" type="datetimeFigureOut">
               <a:rPr lang="en-US" dirty="0"/>
               <a:pPr/>
-              <a:t>6/8/16</a:t>
+              <a:t>6/23/16</a:t>
             </a:fld>
             <a:endParaRPr lang="en-US" dirty="0"/>
           </a:p>
@@ -1349,7 +1354,7 @@
             <a:fld id="{B61BEF0D-F0BB-DE4B-95CE-6DB70DBA9567}" type="datetimeFigureOut">
               <a:rPr lang="en-US" dirty="0"/>
               <a:pPr/>
-              <a:t>6/8/16</a:t>
+              <a:t>6/23/16</a:t>
             </a:fld>
             <a:endParaRPr lang="en-US" dirty="0"/>
           </a:p>
@@ -1596,7 +1601,7 @@
             <a:fld id="{B61BEF0D-F0BB-DE4B-95CE-6DB70DBA9567}" type="datetimeFigureOut">
               <a:rPr lang="en-US" dirty="0"/>
               <a:pPr/>
-              <a:t>6/8/16</a:t>
+              <a:t>6/23/16</a:t>
             </a:fld>
             <a:endParaRPr lang="en-US" dirty="0"/>
           </a:p>
@@ -1901,7 +1906,7 @@
             <a:fld id="{B61BEF0D-F0BB-DE4B-95CE-6DB70DBA9567}" type="datetimeFigureOut">
               <a:rPr lang="en-US" dirty="0"/>
               <a:pPr/>
-              <a:t>6/8/16</a:t>
+              <a:t>6/23/16</a:t>
             </a:fld>
             <a:endParaRPr lang="en-US" dirty="0"/>
           </a:p>
@@ -2216,7 +2221,7 @@
             <a:fld id="{B61BEF0D-F0BB-DE4B-95CE-6DB70DBA9567}" type="datetimeFigureOut">
               <a:rPr lang="en-US" dirty="0"/>
               <a:pPr/>
-              <a:t>6/8/16</a:t>
+              <a:t>6/23/16</a:t>
             </a:fld>
             <a:endParaRPr lang="en-US" dirty="0"/>
           </a:p>
@@ -2515,7 +2520,7 @@
             <a:fld id="{B61BEF0D-F0BB-DE4B-95CE-6DB70DBA9567}" type="datetimeFigureOut">
               <a:rPr lang="en-US" dirty="0"/>
               <a:pPr/>
-              <a:t>6/8/16</a:t>
+              <a:t>6/23/16</a:t>
             </a:fld>
             <a:endParaRPr lang="en-US" dirty="0"/>
           </a:p>
@@ -2879,7 +2884,7 @@
             <a:fld id="{B61BEF0D-F0BB-DE4B-95CE-6DB70DBA9567}" type="datetimeFigureOut">
               <a:rPr lang="en-US" dirty="0"/>
               <a:pPr/>
-              <a:t>6/8/16</a:t>
+              <a:t>6/23/16</a:t>
             </a:fld>
             <a:endParaRPr lang="en-US" dirty="0"/>
           </a:p>
@@ -3050,7 +3055,7 @@
             <a:fld id="{B61BEF0D-F0BB-DE4B-95CE-6DB70DBA9567}" type="datetimeFigureOut">
               <a:rPr lang="en-US" dirty="0"/>
               <a:pPr/>
-              <a:t>6/8/16</a:t>
+              <a:t>6/23/16</a:t>
             </a:fld>
             <a:endParaRPr lang="en-US" dirty="0"/>
           </a:p>
@@ -3227,7 +3232,7 @@
             <a:fld id="{B61BEF0D-F0BB-DE4B-95CE-6DB70DBA9567}" type="datetimeFigureOut">
               <a:rPr lang="en-US" dirty="0"/>
               <a:pPr/>
-              <a:t>6/8/16</a:t>
+              <a:t>6/23/16</a:t>
             </a:fld>
             <a:endParaRPr lang="en-US" dirty="0"/>
           </a:p>
@@ -3394,7 +3399,7 @@
             <a:fld id="{B61BEF0D-F0BB-DE4B-95CE-6DB70DBA9567}" type="datetimeFigureOut">
               <a:rPr lang="en-US" dirty="0"/>
               <a:pPr/>
-              <a:t>6/8/16</a:t>
+              <a:t>6/23/16</a:t>
             </a:fld>
             <a:endParaRPr lang="en-US" dirty="0"/>
           </a:p>
@@ -3641,7 +3646,7 @@
             <a:fld id="{B61BEF0D-F0BB-DE4B-95CE-6DB70DBA9567}" type="datetimeFigureOut">
               <a:rPr lang="en-US" dirty="0"/>
               <a:pPr/>
-              <a:t>6/8/16</a:t>
+              <a:t>6/23/16</a:t>
             </a:fld>
             <a:endParaRPr lang="en-US" dirty="0"/>
           </a:p>
@@ -3874,7 +3879,7 @@
             <a:fld id="{B61BEF0D-F0BB-DE4B-95CE-6DB70DBA9567}" type="datetimeFigureOut">
               <a:rPr lang="en-US" dirty="0"/>
               <a:pPr/>
-              <a:t>6/8/16</a:t>
+              <a:t>6/23/16</a:t>
             </a:fld>
             <a:endParaRPr lang="en-US" dirty="0"/>
           </a:p>
@@ -4253,7 +4258,7 @@
             <a:fld id="{B61BEF0D-F0BB-DE4B-95CE-6DB70DBA9567}" type="datetimeFigureOut">
               <a:rPr lang="en-US" dirty="0"/>
               <a:pPr/>
-              <a:t>6/8/16</a:t>
+              <a:t>6/23/16</a:t>
             </a:fld>
             <a:endParaRPr lang="en-US" dirty="0"/>
           </a:p>
@@ -4368,7 +4373,7 @@
             <a:fld id="{B61BEF0D-F0BB-DE4B-95CE-6DB70DBA9567}" type="datetimeFigureOut">
               <a:rPr lang="en-US" dirty="0"/>
               <a:pPr/>
-              <a:t>6/8/16</a:t>
+              <a:t>6/23/16</a:t>
             </a:fld>
             <a:endParaRPr lang="en-US" dirty="0"/>
           </a:p>
@@ -4460,7 +4465,7 @@
             <a:fld id="{B61BEF0D-F0BB-DE4B-95CE-6DB70DBA9567}" type="datetimeFigureOut">
               <a:rPr lang="en-US" dirty="0"/>
               <a:pPr/>
-              <a:t>6/8/16</a:t>
+              <a:t>6/23/16</a:t>
             </a:fld>
             <a:endParaRPr lang="en-US" dirty="0"/>
           </a:p>
@@ -4712,7 +4717,7 @@
             <a:fld id="{B61BEF0D-F0BB-DE4B-95CE-6DB70DBA9567}" type="datetimeFigureOut">
               <a:rPr lang="en-US" dirty="0"/>
               <a:pPr/>
-              <a:t>6/8/16</a:t>
+              <a:t>6/23/16</a:t>
             </a:fld>
             <a:endParaRPr lang="en-US" dirty="0"/>
           </a:p>
@@ -4992,7 +4997,7 @@
             <a:fld id="{B61BEF0D-F0BB-DE4B-95CE-6DB70DBA9567}" type="datetimeFigureOut">
               <a:rPr lang="en-US" dirty="0"/>
               <a:pPr/>
-              <a:t>6/8/16</a:t>
+              <a:t>6/23/16</a:t>
             </a:fld>
             <a:endParaRPr lang="en-US" dirty="0"/>
           </a:p>
@@ -5395,7 +5400,7 @@
             <a:fld id="{B61BEF0D-F0BB-DE4B-95CE-6DB70DBA9567}" type="datetimeFigureOut">
               <a:rPr lang="en-US" dirty="0"/>
               <a:pPr/>
-              <a:t>6/8/16</a:t>
+              <a:t>6/23/16</a:t>
             </a:fld>
             <a:endParaRPr lang="en-US" dirty="0"/>
           </a:p>
@@ -6141,6 +6146,1028 @@
   <p:clrMapOvr>
     <a:masterClrMapping/>
   </p:clrMapOvr>
+  <p:timing>
+    <p:tnLst>
+      <p:par>
+        <p:cTn id="1" dur="indefinite" restart="never" nodeType="tmRoot">
+          <p:childTnLst>
+            <p:seq concurrent="1" nextAc="seek">
+              <p:cTn id="2" dur="indefinite" nodeType="mainSeq">
+                <p:childTnLst>
+                  <p:par>
+                    <p:cTn id="3" fill="hold">
+                      <p:stCondLst>
+                        <p:cond delay="indefinite"/>
+                      </p:stCondLst>
+                      <p:childTnLst>
+                        <p:par>
+                          <p:cTn id="4" fill="hold">
+                            <p:stCondLst>
+                              <p:cond delay="0"/>
+                            </p:stCondLst>
+                            <p:childTnLst>
+                              <p:par>
+                                <p:cTn id="5" presetID="2" presetClass="entr" presetSubtype="8" fill="hold" grpId="0" nodeType="clickEffect">
+                                  <p:stCondLst>
+                                    <p:cond delay="0"/>
+                                  </p:stCondLst>
+                                  <p:childTnLst>
+                                    <p:set>
+                                      <p:cBhvr>
+                                        <p:cTn id="6" dur="1" fill="hold">
+                                          <p:stCondLst>
+                                            <p:cond delay="0"/>
+                                          </p:stCondLst>
+                                        </p:cTn>
+                                        <p:tgtEl>
+                                          <p:spTgt spid="3">
+                                            <p:txEl>
+                                              <p:pRg st="0" end="0"/>
+                                            </p:txEl>
+                                          </p:spTgt>
+                                        </p:tgtEl>
+                                        <p:attrNameLst>
+                                          <p:attrName>style.visibility</p:attrName>
+                                        </p:attrNameLst>
+                                      </p:cBhvr>
+                                      <p:to>
+                                        <p:strVal val="visible"/>
+                                      </p:to>
+                                    </p:set>
+                                    <p:anim calcmode="lin" valueType="num">
+                                      <p:cBhvr additive="base">
+                                        <p:cTn id="7" dur="500" fill="hold"/>
+                                        <p:tgtEl>
+                                          <p:spTgt spid="3">
+                                            <p:txEl>
+                                              <p:pRg st="0" end="0"/>
+                                            </p:txEl>
+                                          </p:spTgt>
+                                        </p:tgtEl>
+                                        <p:attrNameLst>
+                                          <p:attrName>ppt_x</p:attrName>
+                                        </p:attrNameLst>
+                                      </p:cBhvr>
+                                      <p:tavLst>
+                                        <p:tav tm="0">
+                                          <p:val>
+                                            <p:strVal val="0-#ppt_w/2"/>
+                                          </p:val>
+                                        </p:tav>
+                                        <p:tav tm="100000">
+                                          <p:val>
+                                            <p:strVal val="#ppt_x"/>
+                                          </p:val>
+                                        </p:tav>
+                                      </p:tavLst>
+                                    </p:anim>
+                                    <p:anim calcmode="lin" valueType="num">
+                                      <p:cBhvr additive="base">
+                                        <p:cTn id="8" dur="500" fill="hold"/>
+                                        <p:tgtEl>
+                                          <p:spTgt spid="3">
+                                            <p:txEl>
+                                              <p:pRg st="0" end="0"/>
+                                            </p:txEl>
+                                          </p:spTgt>
+                                        </p:tgtEl>
+                                        <p:attrNameLst>
+                                          <p:attrName>ppt_y</p:attrName>
+                                        </p:attrNameLst>
+                                      </p:cBhvr>
+                                      <p:tavLst>
+                                        <p:tav tm="0">
+                                          <p:val>
+                                            <p:strVal val="#ppt_y"/>
+                                          </p:val>
+                                        </p:tav>
+                                        <p:tav tm="100000">
+                                          <p:val>
+                                            <p:strVal val="#ppt_y"/>
+                                          </p:val>
+                                        </p:tav>
+                                      </p:tavLst>
+                                    </p:anim>
+                                  </p:childTnLst>
+                                </p:cTn>
+                              </p:par>
+                            </p:childTnLst>
+                          </p:cTn>
+                        </p:par>
+                      </p:childTnLst>
+                    </p:cTn>
+                  </p:par>
+                  <p:par>
+                    <p:cTn id="9" fill="hold">
+                      <p:stCondLst>
+                        <p:cond delay="indefinite"/>
+                      </p:stCondLst>
+                      <p:childTnLst>
+                        <p:par>
+                          <p:cTn id="10" fill="hold">
+                            <p:stCondLst>
+                              <p:cond delay="0"/>
+                            </p:stCondLst>
+                            <p:childTnLst>
+                              <p:par>
+                                <p:cTn id="11" presetID="2" presetClass="entr" presetSubtype="8" fill="hold" grpId="0" nodeType="clickEffect">
+                                  <p:stCondLst>
+                                    <p:cond delay="0"/>
+                                  </p:stCondLst>
+                                  <p:childTnLst>
+                                    <p:set>
+                                      <p:cBhvr>
+                                        <p:cTn id="12" dur="1" fill="hold">
+                                          <p:stCondLst>
+                                            <p:cond delay="0"/>
+                                          </p:stCondLst>
+                                        </p:cTn>
+                                        <p:tgtEl>
+                                          <p:spTgt spid="3">
+                                            <p:txEl>
+                                              <p:pRg st="1" end="1"/>
+                                            </p:txEl>
+                                          </p:spTgt>
+                                        </p:tgtEl>
+                                        <p:attrNameLst>
+                                          <p:attrName>style.visibility</p:attrName>
+                                        </p:attrNameLst>
+                                      </p:cBhvr>
+                                      <p:to>
+                                        <p:strVal val="visible"/>
+                                      </p:to>
+                                    </p:set>
+                                    <p:anim calcmode="lin" valueType="num">
+                                      <p:cBhvr additive="base">
+                                        <p:cTn id="13" dur="500" fill="hold"/>
+                                        <p:tgtEl>
+                                          <p:spTgt spid="3">
+                                            <p:txEl>
+                                              <p:pRg st="1" end="1"/>
+                                            </p:txEl>
+                                          </p:spTgt>
+                                        </p:tgtEl>
+                                        <p:attrNameLst>
+                                          <p:attrName>ppt_x</p:attrName>
+                                        </p:attrNameLst>
+                                      </p:cBhvr>
+                                      <p:tavLst>
+                                        <p:tav tm="0">
+                                          <p:val>
+                                            <p:strVal val="0-#ppt_w/2"/>
+                                          </p:val>
+                                        </p:tav>
+                                        <p:tav tm="100000">
+                                          <p:val>
+                                            <p:strVal val="#ppt_x"/>
+                                          </p:val>
+                                        </p:tav>
+                                      </p:tavLst>
+                                    </p:anim>
+                                    <p:anim calcmode="lin" valueType="num">
+                                      <p:cBhvr additive="base">
+                                        <p:cTn id="14" dur="500" fill="hold"/>
+                                        <p:tgtEl>
+                                          <p:spTgt spid="3">
+                                            <p:txEl>
+                                              <p:pRg st="1" end="1"/>
+                                            </p:txEl>
+                                          </p:spTgt>
+                                        </p:tgtEl>
+                                        <p:attrNameLst>
+                                          <p:attrName>ppt_y</p:attrName>
+                                        </p:attrNameLst>
+                                      </p:cBhvr>
+                                      <p:tavLst>
+                                        <p:tav tm="0">
+                                          <p:val>
+                                            <p:strVal val="#ppt_y"/>
+                                          </p:val>
+                                        </p:tav>
+                                        <p:tav tm="100000">
+                                          <p:val>
+                                            <p:strVal val="#ppt_y"/>
+                                          </p:val>
+                                        </p:tav>
+                                      </p:tavLst>
+                                    </p:anim>
+                                  </p:childTnLst>
+                                </p:cTn>
+                              </p:par>
+                              <p:par>
+                                <p:cTn id="15" presetID="2" presetClass="entr" presetSubtype="8" fill="hold" grpId="0" nodeType="withEffect">
+                                  <p:stCondLst>
+                                    <p:cond delay="0"/>
+                                  </p:stCondLst>
+                                  <p:childTnLst>
+                                    <p:set>
+                                      <p:cBhvr>
+                                        <p:cTn id="16" dur="1" fill="hold">
+                                          <p:stCondLst>
+                                            <p:cond delay="0"/>
+                                          </p:stCondLst>
+                                        </p:cTn>
+                                        <p:tgtEl>
+                                          <p:spTgt spid="3">
+                                            <p:txEl>
+                                              <p:pRg st="2" end="2"/>
+                                            </p:txEl>
+                                          </p:spTgt>
+                                        </p:tgtEl>
+                                        <p:attrNameLst>
+                                          <p:attrName>style.visibility</p:attrName>
+                                        </p:attrNameLst>
+                                      </p:cBhvr>
+                                      <p:to>
+                                        <p:strVal val="visible"/>
+                                      </p:to>
+                                    </p:set>
+                                    <p:anim calcmode="lin" valueType="num">
+                                      <p:cBhvr additive="base">
+                                        <p:cTn id="17" dur="500" fill="hold"/>
+                                        <p:tgtEl>
+                                          <p:spTgt spid="3">
+                                            <p:txEl>
+                                              <p:pRg st="2" end="2"/>
+                                            </p:txEl>
+                                          </p:spTgt>
+                                        </p:tgtEl>
+                                        <p:attrNameLst>
+                                          <p:attrName>ppt_x</p:attrName>
+                                        </p:attrNameLst>
+                                      </p:cBhvr>
+                                      <p:tavLst>
+                                        <p:tav tm="0">
+                                          <p:val>
+                                            <p:strVal val="0-#ppt_w/2"/>
+                                          </p:val>
+                                        </p:tav>
+                                        <p:tav tm="100000">
+                                          <p:val>
+                                            <p:strVal val="#ppt_x"/>
+                                          </p:val>
+                                        </p:tav>
+                                      </p:tavLst>
+                                    </p:anim>
+                                    <p:anim calcmode="lin" valueType="num">
+                                      <p:cBhvr additive="base">
+                                        <p:cTn id="18" dur="500" fill="hold"/>
+                                        <p:tgtEl>
+                                          <p:spTgt spid="3">
+                                            <p:txEl>
+                                              <p:pRg st="2" end="2"/>
+                                            </p:txEl>
+                                          </p:spTgt>
+                                        </p:tgtEl>
+                                        <p:attrNameLst>
+                                          <p:attrName>ppt_y</p:attrName>
+                                        </p:attrNameLst>
+                                      </p:cBhvr>
+                                      <p:tavLst>
+                                        <p:tav tm="0">
+                                          <p:val>
+                                            <p:strVal val="#ppt_y"/>
+                                          </p:val>
+                                        </p:tav>
+                                        <p:tav tm="100000">
+                                          <p:val>
+                                            <p:strVal val="#ppt_y"/>
+                                          </p:val>
+                                        </p:tav>
+                                      </p:tavLst>
+                                    </p:anim>
+                                  </p:childTnLst>
+                                </p:cTn>
+                              </p:par>
+                              <p:par>
+                                <p:cTn id="19" presetID="2" presetClass="entr" presetSubtype="8" fill="hold" grpId="0" nodeType="withEffect">
+                                  <p:stCondLst>
+                                    <p:cond delay="0"/>
+                                  </p:stCondLst>
+                                  <p:childTnLst>
+                                    <p:set>
+                                      <p:cBhvr>
+                                        <p:cTn id="20" dur="1" fill="hold">
+                                          <p:stCondLst>
+                                            <p:cond delay="0"/>
+                                          </p:stCondLst>
+                                        </p:cTn>
+                                        <p:tgtEl>
+                                          <p:spTgt spid="3">
+                                            <p:txEl>
+                                              <p:pRg st="3" end="3"/>
+                                            </p:txEl>
+                                          </p:spTgt>
+                                        </p:tgtEl>
+                                        <p:attrNameLst>
+                                          <p:attrName>style.visibility</p:attrName>
+                                        </p:attrNameLst>
+                                      </p:cBhvr>
+                                      <p:to>
+                                        <p:strVal val="visible"/>
+                                      </p:to>
+                                    </p:set>
+                                    <p:anim calcmode="lin" valueType="num">
+                                      <p:cBhvr additive="base">
+                                        <p:cTn id="21" dur="500" fill="hold"/>
+                                        <p:tgtEl>
+                                          <p:spTgt spid="3">
+                                            <p:txEl>
+                                              <p:pRg st="3" end="3"/>
+                                            </p:txEl>
+                                          </p:spTgt>
+                                        </p:tgtEl>
+                                        <p:attrNameLst>
+                                          <p:attrName>ppt_x</p:attrName>
+                                        </p:attrNameLst>
+                                      </p:cBhvr>
+                                      <p:tavLst>
+                                        <p:tav tm="0">
+                                          <p:val>
+                                            <p:strVal val="0-#ppt_w/2"/>
+                                          </p:val>
+                                        </p:tav>
+                                        <p:tav tm="100000">
+                                          <p:val>
+                                            <p:strVal val="#ppt_x"/>
+                                          </p:val>
+                                        </p:tav>
+                                      </p:tavLst>
+                                    </p:anim>
+                                    <p:anim calcmode="lin" valueType="num">
+                                      <p:cBhvr additive="base">
+                                        <p:cTn id="22" dur="500" fill="hold"/>
+                                        <p:tgtEl>
+                                          <p:spTgt spid="3">
+                                            <p:txEl>
+                                              <p:pRg st="3" end="3"/>
+                                            </p:txEl>
+                                          </p:spTgt>
+                                        </p:tgtEl>
+                                        <p:attrNameLst>
+                                          <p:attrName>ppt_y</p:attrName>
+                                        </p:attrNameLst>
+                                      </p:cBhvr>
+                                      <p:tavLst>
+                                        <p:tav tm="0">
+                                          <p:val>
+                                            <p:strVal val="#ppt_y"/>
+                                          </p:val>
+                                        </p:tav>
+                                        <p:tav tm="100000">
+                                          <p:val>
+                                            <p:strVal val="#ppt_y"/>
+                                          </p:val>
+                                        </p:tav>
+                                      </p:tavLst>
+                                    </p:anim>
+                                  </p:childTnLst>
+                                </p:cTn>
+                              </p:par>
+                              <p:par>
+                                <p:cTn id="23" presetID="2" presetClass="entr" presetSubtype="8" fill="hold" grpId="0" nodeType="withEffect">
+                                  <p:stCondLst>
+                                    <p:cond delay="0"/>
+                                  </p:stCondLst>
+                                  <p:childTnLst>
+                                    <p:set>
+                                      <p:cBhvr>
+                                        <p:cTn id="24" dur="1" fill="hold">
+                                          <p:stCondLst>
+                                            <p:cond delay="0"/>
+                                          </p:stCondLst>
+                                        </p:cTn>
+                                        <p:tgtEl>
+                                          <p:spTgt spid="3">
+                                            <p:txEl>
+                                              <p:pRg st="4" end="4"/>
+                                            </p:txEl>
+                                          </p:spTgt>
+                                        </p:tgtEl>
+                                        <p:attrNameLst>
+                                          <p:attrName>style.visibility</p:attrName>
+                                        </p:attrNameLst>
+                                      </p:cBhvr>
+                                      <p:to>
+                                        <p:strVal val="visible"/>
+                                      </p:to>
+                                    </p:set>
+                                    <p:anim calcmode="lin" valueType="num">
+                                      <p:cBhvr additive="base">
+                                        <p:cTn id="25" dur="500" fill="hold"/>
+                                        <p:tgtEl>
+                                          <p:spTgt spid="3">
+                                            <p:txEl>
+                                              <p:pRg st="4" end="4"/>
+                                            </p:txEl>
+                                          </p:spTgt>
+                                        </p:tgtEl>
+                                        <p:attrNameLst>
+                                          <p:attrName>ppt_x</p:attrName>
+                                        </p:attrNameLst>
+                                      </p:cBhvr>
+                                      <p:tavLst>
+                                        <p:tav tm="0">
+                                          <p:val>
+                                            <p:strVal val="0-#ppt_w/2"/>
+                                          </p:val>
+                                        </p:tav>
+                                        <p:tav tm="100000">
+                                          <p:val>
+                                            <p:strVal val="#ppt_x"/>
+                                          </p:val>
+                                        </p:tav>
+                                      </p:tavLst>
+                                    </p:anim>
+                                    <p:anim calcmode="lin" valueType="num">
+                                      <p:cBhvr additive="base">
+                                        <p:cTn id="26" dur="500" fill="hold"/>
+                                        <p:tgtEl>
+                                          <p:spTgt spid="3">
+                                            <p:txEl>
+                                              <p:pRg st="4" end="4"/>
+                                            </p:txEl>
+                                          </p:spTgt>
+                                        </p:tgtEl>
+                                        <p:attrNameLst>
+                                          <p:attrName>ppt_y</p:attrName>
+                                        </p:attrNameLst>
+                                      </p:cBhvr>
+                                      <p:tavLst>
+                                        <p:tav tm="0">
+                                          <p:val>
+                                            <p:strVal val="#ppt_y"/>
+                                          </p:val>
+                                        </p:tav>
+                                        <p:tav tm="100000">
+                                          <p:val>
+                                            <p:strVal val="#ppt_y"/>
+                                          </p:val>
+                                        </p:tav>
+                                      </p:tavLst>
+                                    </p:anim>
+                                  </p:childTnLst>
+                                </p:cTn>
+                              </p:par>
+                              <p:par>
+                                <p:cTn id="27" presetID="2" presetClass="entr" presetSubtype="8" fill="hold" grpId="0" nodeType="withEffect">
+                                  <p:stCondLst>
+                                    <p:cond delay="0"/>
+                                  </p:stCondLst>
+                                  <p:childTnLst>
+                                    <p:set>
+                                      <p:cBhvr>
+                                        <p:cTn id="28" dur="1" fill="hold">
+                                          <p:stCondLst>
+                                            <p:cond delay="0"/>
+                                          </p:stCondLst>
+                                        </p:cTn>
+                                        <p:tgtEl>
+                                          <p:spTgt spid="3">
+                                            <p:txEl>
+                                              <p:pRg st="5" end="5"/>
+                                            </p:txEl>
+                                          </p:spTgt>
+                                        </p:tgtEl>
+                                        <p:attrNameLst>
+                                          <p:attrName>style.visibility</p:attrName>
+                                        </p:attrNameLst>
+                                      </p:cBhvr>
+                                      <p:to>
+                                        <p:strVal val="visible"/>
+                                      </p:to>
+                                    </p:set>
+                                    <p:anim calcmode="lin" valueType="num">
+                                      <p:cBhvr additive="base">
+                                        <p:cTn id="29" dur="500" fill="hold"/>
+                                        <p:tgtEl>
+                                          <p:spTgt spid="3">
+                                            <p:txEl>
+                                              <p:pRg st="5" end="5"/>
+                                            </p:txEl>
+                                          </p:spTgt>
+                                        </p:tgtEl>
+                                        <p:attrNameLst>
+                                          <p:attrName>ppt_x</p:attrName>
+                                        </p:attrNameLst>
+                                      </p:cBhvr>
+                                      <p:tavLst>
+                                        <p:tav tm="0">
+                                          <p:val>
+                                            <p:strVal val="0-#ppt_w/2"/>
+                                          </p:val>
+                                        </p:tav>
+                                        <p:tav tm="100000">
+                                          <p:val>
+                                            <p:strVal val="#ppt_x"/>
+                                          </p:val>
+                                        </p:tav>
+                                      </p:tavLst>
+                                    </p:anim>
+                                    <p:anim calcmode="lin" valueType="num">
+                                      <p:cBhvr additive="base">
+                                        <p:cTn id="30" dur="500" fill="hold"/>
+                                        <p:tgtEl>
+                                          <p:spTgt spid="3">
+                                            <p:txEl>
+                                              <p:pRg st="5" end="5"/>
+                                            </p:txEl>
+                                          </p:spTgt>
+                                        </p:tgtEl>
+                                        <p:attrNameLst>
+                                          <p:attrName>ppt_y</p:attrName>
+                                        </p:attrNameLst>
+                                      </p:cBhvr>
+                                      <p:tavLst>
+                                        <p:tav tm="0">
+                                          <p:val>
+                                            <p:strVal val="#ppt_y"/>
+                                          </p:val>
+                                        </p:tav>
+                                        <p:tav tm="100000">
+                                          <p:val>
+                                            <p:strVal val="#ppt_y"/>
+                                          </p:val>
+                                        </p:tav>
+                                      </p:tavLst>
+                                    </p:anim>
+                                  </p:childTnLst>
+                                </p:cTn>
+                              </p:par>
+                              <p:par>
+                                <p:cTn id="31" presetID="2" presetClass="entr" presetSubtype="8" fill="hold" grpId="0" nodeType="withEffect">
+                                  <p:stCondLst>
+                                    <p:cond delay="0"/>
+                                  </p:stCondLst>
+                                  <p:childTnLst>
+                                    <p:set>
+                                      <p:cBhvr>
+                                        <p:cTn id="32" dur="1" fill="hold">
+                                          <p:stCondLst>
+                                            <p:cond delay="0"/>
+                                          </p:stCondLst>
+                                        </p:cTn>
+                                        <p:tgtEl>
+                                          <p:spTgt spid="3">
+                                            <p:txEl>
+                                              <p:pRg st="6" end="6"/>
+                                            </p:txEl>
+                                          </p:spTgt>
+                                        </p:tgtEl>
+                                        <p:attrNameLst>
+                                          <p:attrName>style.visibility</p:attrName>
+                                        </p:attrNameLst>
+                                      </p:cBhvr>
+                                      <p:to>
+                                        <p:strVal val="visible"/>
+                                      </p:to>
+                                    </p:set>
+                                    <p:anim calcmode="lin" valueType="num">
+                                      <p:cBhvr additive="base">
+                                        <p:cTn id="33" dur="500" fill="hold"/>
+                                        <p:tgtEl>
+                                          <p:spTgt spid="3">
+                                            <p:txEl>
+                                              <p:pRg st="6" end="6"/>
+                                            </p:txEl>
+                                          </p:spTgt>
+                                        </p:tgtEl>
+                                        <p:attrNameLst>
+                                          <p:attrName>ppt_x</p:attrName>
+                                        </p:attrNameLst>
+                                      </p:cBhvr>
+                                      <p:tavLst>
+                                        <p:tav tm="0">
+                                          <p:val>
+                                            <p:strVal val="0-#ppt_w/2"/>
+                                          </p:val>
+                                        </p:tav>
+                                        <p:tav tm="100000">
+                                          <p:val>
+                                            <p:strVal val="#ppt_x"/>
+                                          </p:val>
+                                        </p:tav>
+                                      </p:tavLst>
+                                    </p:anim>
+                                    <p:anim calcmode="lin" valueType="num">
+                                      <p:cBhvr additive="base">
+                                        <p:cTn id="34" dur="500" fill="hold"/>
+                                        <p:tgtEl>
+                                          <p:spTgt spid="3">
+                                            <p:txEl>
+                                              <p:pRg st="6" end="6"/>
+                                            </p:txEl>
+                                          </p:spTgt>
+                                        </p:tgtEl>
+                                        <p:attrNameLst>
+                                          <p:attrName>ppt_y</p:attrName>
+                                        </p:attrNameLst>
+                                      </p:cBhvr>
+                                      <p:tavLst>
+                                        <p:tav tm="0">
+                                          <p:val>
+                                            <p:strVal val="#ppt_y"/>
+                                          </p:val>
+                                        </p:tav>
+                                        <p:tav tm="100000">
+                                          <p:val>
+                                            <p:strVal val="#ppt_y"/>
+                                          </p:val>
+                                        </p:tav>
+                                      </p:tavLst>
+                                    </p:anim>
+                                  </p:childTnLst>
+                                </p:cTn>
+                              </p:par>
+                            </p:childTnLst>
+                          </p:cTn>
+                        </p:par>
+                      </p:childTnLst>
+                    </p:cTn>
+                  </p:par>
+                  <p:par>
+                    <p:cTn id="35" fill="hold">
+                      <p:stCondLst>
+                        <p:cond delay="indefinite"/>
+                      </p:stCondLst>
+                      <p:childTnLst>
+                        <p:par>
+                          <p:cTn id="36" fill="hold">
+                            <p:stCondLst>
+                              <p:cond delay="0"/>
+                            </p:stCondLst>
+                            <p:childTnLst>
+                              <p:par>
+                                <p:cTn id="37" presetID="2" presetClass="entr" presetSubtype="8" fill="hold" grpId="0" nodeType="clickEffect">
+                                  <p:stCondLst>
+                                    <p:cond delay="0"/>
+                                  </p:stCondLst>
+                                  <p:childTnLst>
+                                    <p:set>
+                                      <p:cBhvr>
+                                        <p:cTn id="38" dur="1" fill="hold">
+                                          <p:stCondLst>
+                                            <p:cond delay="0"/>
+                                          </p:stCondLst>
+                                        </p:cTn>
+                                        <p:tgtEl>
+                                          <p:spTgt spid="3">
+                                            <p:txEl>
+                                              <p:pRg st="7" end="7"/>
+                                            </p:txEl>
+                                          </p:spTgt>
+                                        </p:tgtEl>
+                                        <p:attrNameLst>
+                                          <p:attrName>style.visibility</p:attrName>
+                                        </p:attrNameLst>
+                                      </p:cBhvr>
+                                      <p:to>
+                                        <p:strVal val="visible"/>
+                                      </p:to>
+                                    </p:set>
+                                    <p:anim calcmode="lin" valueType="num">
+                                      <p:cBhvr additive="base">
+                                        <p:cTn id="39" dur="500" fill="hold"/>
+                                        <p:tgtEl>
+                                          <p:spTgt spid="3">
+                                            <p:txEl>
+                                              <p:pRg st="7" end="7"/>
+                                            </p:txEl>
+                                          </p:spTgt>
+                                        </p:tgtEl>
+                                        <p:attrNameLst>
+                                          <p:attrName>ppt_x</p:attrName>
+                                        </p:attrNameLst>
+                                      </p:cBhvr>
+                                      <p:tavLst>
+                                        <p:tav tm="0">
+                                          <p:val>
+                                            <p:strVal val="0-#ppt_w/2"/>
+                                          </p:val>
+                                        </p:tav>
+                                        <p:tav tm="100000">
+                                          <p:val>
+                                            <p:strVal val="#ppt_x"/>
+                                          </p:val>
+                                        </p:tav>
+                                      </p:tavLst>
+                                    </p:anim>
+                                    <p:anim calcmode="lin" valueType="num">
+                                      <p:cBhvr additive="base">
+                                        <p:cTn id="40" dur="500" fill="hold"/>
+                                        <p:tgtEl>
+                                          <p:spTgt spid="3">
+                                            <p:txEl>
+                                              <p:pRg st="7" end="7"/>
+                                            </p:txEl>
+                                          </p:spTgt>
+                                        </p:tgtEl>
+                                        <p:attrNameLst>
+                                          <p:attrName>ppt_y</p:attrName>
+                                        </p:attrNameLst>
+                                      </p:cBhvr>
+                                      <p:tavLst>
+                                        <p:tav tm="0">
+                                          <p:val>
+                                            <p:strVal val="#ppt_y"/>
+                                          </p:val>
+                                        </p:tav>
+                                        <p:tav tm="100000">
+                                          <p:val>
+                                            <p:strVal val="#ppt_y"/>
+                                          </p:val>
+                                        </p:tav>
+                                      </p:tavLst>
+                                    </p:anim>
+                                  </p:childTnLst>
+                                </p:cTn>
+                              </p:par>
+                              <p:par>
+                                <p:cTn id="41" presetID="2" presetClass="entr" presetSubtype="8" fill="hold" grpId="0" nodeType="withEffect">
+                                  <p:stCondLst>
+                                    <p:cond delay="0"/>
+                                  </p:stCondLst>
+                                  <p:childTnLst>
+                                    <p:set>
+                                      <p:cBhvr>
+                                        <p:cTn id="42" dur="1" fill="hold">
+                                          <p:stCondLst>
+                                            <p:cond delay="0"/>
+                                          </p:stCondLst>
+                                        </p:cTn>
+                                        <p:tgtEl>
+                                          <p:spTgt spid="3">
+                                            <p:txEl>
+                                              <p:pRg st="8" end="8"/>
+                                            </p:txEl>
+                                          </p:spTgt>
+                                        </p:tgtEl>
+                                        <p:attrNameLst>
+                                          <p:attrName>style.visibility</p:attrName>
+                                        </p:attrNameLst>
+                                      </p:cBhvr>
+                                      <p:to>
+                                        <p:strVal val="visible"/>
+                                      </p:to>
+                                    </p:set>
+                                    <p:anim calcmode="lin" valueType="num">
+                                      <p:cBhvr additive="base">
+                                        <p:cTn id="43" dur="500" fill="hold"/>
+                                        <p:tgtEl>
+                                          <p:spTgt spid="3">
+                                            <p:txEl>
+                                              <p:pRg st="8" end="8"/>
+                                            </p:txEl>
+                                          </p:spTgt>
+                                        </p:tgtEl>
+                                        <p:attrNameLst>
+                                          <p:attrName>ppt_x</p:attrName>
+                                        </p:attrNameLst>
+                                      </p:cBhvr>
+                                      <p:tavLst>
+                                        <p:tav tm="0">
+                                          <p:val>
+                                            <p:strVal val="0-#ppt_w/2"/>
+                                          </p:val>
+                                        </p:tav>
+                                        <p:tav tm="100000">
+                                          <p:val>
+                                            <p:strVal val="#ppt_x"/>
+                                          </p:val>
+                                        </p:tav>
+                                      </p:tavLst>
+                                    </p:anim>
+                                    <p:anim calcmode="lin" valueType="num">
+                                      <p:cBhvr additive="base">
+                                        <p:cTn id="44" dur="500" fill="hold"/>
+                                        <p:tgtEl>
+                                          <p:spTgt spid="3">
+                                            <p:txEl>
+                                              <p:pRg st="8" end="8"/>
+                                            </p:txEl>
+                                          </p:spTgt>
+                                        </p:tgtEl>
+                                        <p:attrNameLst>
+                                          <p:attrName>ppt_y</p:attrName>
+                                        </p:attrNameLst>
+                                      </p:cBhvr>
+                                      <p:tavLst>
+                                        <p:tav tm="0">
+                                          <p:val>
+                                            <p:strVal val="#ppt_y"/>
+                                          </p:val>
+                                        </p:tav>
+                                        <p:tav tm="100000">
+                                          <p:val>
+                                            <p:strVal val="#ppt_y"/>
+                                          </p:val>
+                                        </p:tav>
+                                      </p:tavLst>
+                                    </p:anim>
+                                  </p:childTnLst>
+                                </p:cTn>
+                              </p:par>
+                              <p:par>
+                                <p:cTn id="45" presetID="2" presetClass="entr" presetSubtype="8" fill="hold" grpId="0" nodeType="withEffect">
+                                  <p:stCondLst>
+                                    <p:cond delay="0"/>
+                                  </p:stCondLst>
+                                  <p:childTnLst>
+                                    <p:set>
+                                      <p:cBhvr>
+                                        <p:cTn id="46" dur="1" fill="hold">
+                                          <p:stCondLst>
+                                            <p:cond delay="0"/>
+                                          </p:stCondLst>
+                                        </p:cTn>
+                                        <p:tgtEl>
+                                          <p:spTgt spid="3">
+                                            <p:txEl>
+                                              <p:pRg st="9" end="9"/>
+                                            </p:txEl>
+                                          </p:spTgt>
+                                        </p:tgtEl>
+                                        <p:attrNameLst>
+                                          <p:attrName>style.visibility</p:attrName>
+                                        </p:attrNameLst>
+                                      </p:cBhvr>
+                                      <p:to>
+                                        <p:strVal val="visible"/>
+                                      </p:to>
+                                    </p:set>
+                                    <p:anim calcmode="lin" valueType="num">
+                                      <p:cBhvr additive="base">
+                                        <p:cTn id="47" dur="500" fill="hold"/>
+                                        <p:tgtEl>
+                                          <p:spTgt spid="3">
+                                            <p:txEl>
+                                              <p:pRg st="9" end="9"/>
+                                            </p:txEl>
+                                          </p:spTgt>
+                                        </p:tgtEl>
+                                        <p:attrNameLst>
+                                          <p:attrName>ppt_x</p:attrName>
+                                        </p:attrNameLst>
+                                      </p:cBhvr>
+                                      <p:tavLst>
+                                        <p:tav tm="0">
+                                          <p:val>
+                                            <p:strVal val="0-#ppt_w/2"/>
+                                          </p:val>
+                                        </p:tav>
+                                        <p:tav tm="100000">
+                                          <p:val>
+                                            <p:strVal val="#ppt_x"/>
+                                          </p:val>
+                                        </p:tav>
+                                      </p:tavLst>
+                                    </p:anim>
+                                    <p:anim calcmode="lin" valueType="num">
+                                      <p:cBhvr additive="base">
+                                        <p:cTn id="48" dur="500" fill="hold"/>
+                                        <p:tgtEl>
+                                          <p:spTgt spid="3">
+                                            <p:txEl>
+                                              <p:pRg st="9" end="9"/>
+                                            </p:txEl>
+                                          </p:spTgt>
+                                        </p:tgtEl>
+                                        <p:attrNameLst>
+                                          <p:attrName>ppt_y</p:attrName>
+                                        </p:attrNameLst>
+                                      </p:cBhvr>
+                                      <p:tavLst>
+                                        <p:tav tm="0">
+                                          <p:val>
+                                            <p:strVal val="#ppt_y"/>
+                                          </p:val>
+                                        </p:tav>
+                                        <p:tav tm="100000">
+                                          <p:val>
+                                            <p:strVal val="#ppt_y"/>
+                                          </p:val>
+                                        </p:tav>
+                                      </p:tavLst>
+                                    </p:anim>
+                                  </p:childTnLst>
+                                </p:cTn>
+                              </p:par>
+                              <p:par>
+                                <p:cTn id="49" presetID="2" presetClass="entr" presetSubtype="8" fill="hold" grpId="0" nodeType="withEffect">
+                                  <p:stCondLst>
+                                    <p:cond delay="0"/>
+                                  </p:stCondLst>
+                                  <p:childTnLst>
+                                    <p:set>
+                                      <p:cBhvr>
+                                        <p:cTn id="50" dur="1" fill="hold">
+                                          <p:stCondLst>
+                                            <p:cond delay="0"/>
+                                          </p:stCondLst>
+                                        </p:cTn>
+                                        <p:tgtEl>
+                                          <p:spTgt spid="3">
+                                            <p:txEl>
+                                              <p:pRg st="10" end="10"/>
+                                            </p:txEl>
+                                          </p:spTgt>
+                                        </p:tgtEl>
+                                        <p:attrNameLst>
+                                          <p:attrName>style.visibility</p:attrName>
+                                        </p:attrNameLst>
+                                      </p:cBhvr>
+                                      <p:to>
+                                        <p:strVal val="visible"/>
+                                      </p:to>
+                                    </p:set>
+                                    <p:anim calcmode="lin" valueType="num">
+                                      <p:cBhvr additive="base">
+                                        <p:cTn id="51" dur="500" fill="hold"/>
+                                        <p:tgtEl>
+                                          <p:spTgt spid="3">
+                                            <p:txEl>
+                                              <p:pRg st="10" end="10"/>
+                                            </p:txEl>
+                                          </p:spTgt>
+                                        </p:tgtEl>
+                                        <p:attrNameLst>
+                                          <p:attrName>ppt_x</p:attrName>
+                                        </p:attrNameLst>
+                                      </p:cBhvr>
+                                      <p:tavLst>
+                                        <p:tav tm="0">
+                                          <p:val>
+                                            <p:strVal val="0-#ppt_w/2"/>
+                                          </p:val>
+                                        </p:tav>
+                                        <p:tav tm="100000">
+                                          <p:val>
+                                            <p:strVal val="#ppt_x"/>
+                                          </p:val>
+                                        </p:tav>
+                                      </p:tavLst>
+                                    </p:anim>
+                                    <p:anim calcmode="lin" valueType="num">
+                                      <p:cBhvr additive="base">
+                                        <p:cTn id="52" dur="500" fill="hold"/>
+                                        <p:tgtEl>
+                                          <p:spTgt spid="3">
+                                            <p:txEl>
+                                              <p:pRg st="10" end="10"/>
+                                            </p:txEl>
+                                          </p:spTgt>
+                                        </p:tgtEl>
+                                        <p:attrNameLst>
+                                          <p:attrName>ppt_y</p:attrName>
+                                        </p:attrNameLst>
+                                      </p:cBhvr>
+                                      <p:tavLst>
+                                        <p:tav tm="0">
+                                          <p:val>
+                                            <p:strVal val="#ppt_y"/>
+                                          </p:val>
+                                        </p:tav>
+                                        <p:tav tm="100000">
+                                          <p:val>
+                                            <p:strVal val="#ppt_y"/>
+                                          </p:val>
+                                        </p:tav>
+                                      </p:tavLst>
+                                    </p:anim>
+                                  </p:childTnLst>
+                                </p:cTn>
+                              </p:par>
+                            </p:childTnLst>
+                          </p:cTn>
+                        </p:par>
+                      </p:childTnLst>
+                    </p:cTn>
+                  </p:par>
+                </p:childTnLst>
+              </p:cTn>
+              <p:prevCondLst>
+                <p:cond evt="onPrev" delay="0">
+                  <p:tgtEl>
+                    <p:sldTgt/>
+                  </p:tgtEl>
+                </p:cond>
+              </p:prevCondLst>
+              <p:nextCondLst>
+                <p:cond evt="onNext" delay="0">
+                  <p:tgtEl>
+                    <p:sldTgt/>
+                  </p:tgtEl>
+                </p:cond>
+              </p:nextCondLst>
+            </p:seq>
+          </p:childTnLst>
+        </p:cTn>
+      </p:par>
+    </p:tnLst>
+    <p:bldLst>
+      <p:bldP spid="3" grpId="0" build="p"/>
+    </p:bldLst>
+  </p:timing>
 </p:sld>
 </file>
 
@@ -6251,6 +7278,585 @@
   <p:clrMapOvr>
     <a:masterClrMapping/>
   </p:clrMapOvr>
+  <p:timing>
+    <p:tnLst>
+      <p:par>
+        <p:cTn id="1" dur="indefinite" restart="never" nodeType="tmRoot">
+          <p:childTnLst>
+            <p:seq concurrent="1" nextAc="seek">
+              <p:cTn id="2" dur="indefinite" nodeType="mainSeq">
+                <p:childTnLst>
+                  <p:par>
+                    <p:cTn id="3" fill="hold">
+                      <p:stCondLst>
+                        <p:cond delay="indefinite"/>
+                      </p:stCondLst>
+                      <p:childTnLst>
+                        <p:par>
+                          <p:cTn id="4" fill="hold">
+                            <p:stCondLst>
+                              <p:cond delay="0"/>
+                            </p:stCondLst>
+                            <p:childTnLst>
+                              <p:par>
+                                <p:cTn id="5" presetID="2" presetClass="entr" presetSubtype="8" fill="hold" grpId="0" nodeType="clickEffect">
+                                  <p:stCondLst>
+                                    <p:cond delay="0"/>
+                                  </p:stCondLst>
+                                  <p:childTnLst>
+                                    <p:set>
+                                      <p:cBhvr>
+                                        <p:cTn id="6" dur="1" fill="hold">
+                                          <p:stCondLst>
+                                            <p:cond delay="0"/>
+                                          </p:stCondLst>
+                                        </p:cTn>
+                                        <p:tgtEl>
+                                          <p:spTgt spid="3">
+                                            <p:txEl>
+                                              <p:pRg st="0" end="0"/>
+                                            </p:txEl>
+                                          </p:spTgt>
+                                        </p:tgtEl>
+                                        <p:attrNameLst>
+                                          <p:attrName>style.visibility</p:attrName>
+                                        </p:attrNameLst>
+                                      </p:cBhvr>
+                                      <p:to>
+                                        <p:strVal val="visible"/>
+                                      </p:to>
+                                    </p:set>
+                                    <p:anim calcmode="lin" valueType="num">
+                                      <p:cBhvr additive="base">
+                                        <p:cTn id="7" dur="500" fill="hold"/>
+                                        <p:tgtEl>
+                                          <p:spTgt spid="3">
+                                            <p:txEl>
+                                              <p:pRg st="0" end="0"/>
+                                            </p:txEl>
+                                          </p:spTgt>
+                                        </p:tgtEl>
+                                        <p:attrNameLst>
+                                          <p:attrName>ppt_x</p:attrName>
+                                        </p:attrNameLst>
+                                      </p:cBhvr>
+                                      <p:tavLst>
+                                        <p:tav tm="0">
+                                          <p:val>
+                                            <p:strVal val="0-#ppt_w/2"/>
+                                          </p:val>
+                                        </p:tav>
+                                        <p:tav tm="100000">
+                                          <p:val>
+                                            <p:strVal val="#ppt_x"/>
+                                          </p:val>
+                                        </p:tav>
+                                      </p:tavLst>
+                                    </p:anim>
+                                    <p:anim calcmode="lin" valueType="num">
+                                      <p:cBhvr additive="base">
+                                        <p:cTn id="8" dur="500" fill="hold"/>
+                                        <p:tgtEl>
+                                          <p:spTgt spid="3">
+                                            <p:txEl>
+                                              <p:pRg st="0" end="0"/>
+                                            </p:txEl>
+                                          </p:spTgt>
+                                        </p:tgtEl>
+                                        <p:attrNameLst>
+                                          <p:attrName>ppt_y</p:attrName>
+                                        </p:attrNameLst>
+                                      </p:cBhvr>
+                                      <p:tavLst>
+                                        <p:tav tm="0">
+                                          <p:val>
+                                            <p:strVal val="#ppt_y"/>
+                                          </p:val>
+                                        </p:tav>
+                                        <p:tav tm="100000">
+                                          <p:val>
+                                            <p:strVal val="#ppt_y"/>
+                                          </p:val>
+                                        </p:tav>
+                                      </p:tavLst>
+                                    </p:anim>
+                                  </p:childTnLst>
+                                </p:cTn>
+                              </p:par>
+                            </p:childTnLst>
+                          </p:cTn>
+                        </p:par>
+                      </p:childTnLst>
+                    </p:cTn>
+                  </p:par>
+                  <p:par>
+                    <p:cTn id="9" fill="hold">
+                      <p:stCondLst>
+                        <p:cond delay="indefinite"/>
+                      </p:stCondLst>
+                      <p:childTnLst>
+                        <p:par>
+                          <p:cTn id="10" fill="hold">
+                            <p:stCondLst>
+                              <p:cond delay="0"/>
+                            </p:stCondLst>
+                            <p:childTnLst>
+                              <p:par>
+                                <p:cTn id="11" presetID="2" presetClass="entr" presetSubtype="8" fill="hold" grpId="0" nodeType="clickEffect">
+                                  <p:stCondLst>
+                                    <p:cond delay="0"/>
+                                  </p:stCondLst>
+                                  <p:childTnLst>
+                                    <p:set>
+                                      <p:cBhvr>
+                                        <p:cTn id="12" dur="1" fill="hold">
+                                          <p:stCondLst>
+                                            <p:cond delay="0"/>
+                                          </p:stCondLst>
+                                        </p:cTn>
+                                        <p:tgtEl>
+                                          <p:spTgt spid="3">
+                                            <p:txEl>
+                                              <p:pRg st="1" end="1"/>
+                                            </p:txEl>
+                                          </p:spTgt>
+                                        </p:tgtEl>
+                                        <p:attrNameLst>
+                                          <p:attrName>style.visibility</p:attrName>
+                                        </p:attrNameLst>
+                                      </p:cBhvr>
+                                      <p:to>
+                                        <p:strVal val="visible"/>
+                                      </p:to>
+                                    </p:set>
+                                    <p:anim calcmode="lin" valueType="num">
+                                      <p:cBhvr additive="base">
+                                        <p:cTn id="13" dur="500" fill="hold"/>
+                                        <p:tgtEl>
+                                          <p:spTgt spid="3">
+                                            <p:txEl>
+                                              <p:pRg st="1" end="1"/>
+                                            </p:txEl>
+                                          </p:spTgt>
+                                        </p:tgtEl>
+                                        <p:attrNameLst>
+                                          <p:attrName>ppt_x</p:attrName>
+                                        </p:attrNameLst>
+                                      </p:cBhvr>
+                                      <p:tavLst>
+                                        <p:tav tm="0">
+                                          <p:val>
+                                            <p:strVal val="0-#ppt_w/2"/>
+                                          </p:val>
+                                        </p:tav>
+                                        <p:tav tm="100000">
+                                          <p:val>
+                                            <p:strVal val="#ppt_x"/>
+                                          </p:val>
+                                        </p:tav>
+                                      </p:tavLst>
+                                    </p:anim>
+                                    <p:anim calcmode="lin" valueType="num">
+                                      <p:cBhvr additive="base">
+                                        <p:cTn id="14" dur="500" fill="hold"/>
+                                        <p:tgtEl>
+                                          <p:spTgt spid="3">
+                                            <p:txEl>
+                                              <p:pRg st="1" end="1"/>
+                                            </p:txEl>
+                                          </p:spTgt>
+                                        </p:tgtEl>
+                                        <p:attrNameLst>
+                                          <p:attrName>ppt_y</p:attrName>
+                                        </p:attrNameLst>
+                                      </p:cBhvr>
+                                      <p:tavLst>
+                                        <p:tav tm="0">
+                                          <p:val>
+                                            <p:strVal val="#ppt_y"/>
+                                          </p:val>
+                                        </p:tav>
+                                        <p:tav tm="100000">
+                                          <p:val>
+                                            <p:strVal val="#ppt_y"/>
+                                          </p:val>
+                                        </p:tav>
+                                      </p:tavLst>
+                                    </p:anim>
+                                  </p:childTnLst>
+                                </p:cTn>
+                              </p:par>
+                              <p:par>
+                                <p:cTn id="15" presetID="2" presetClass="entr" presetSubtype="8" fill="hold" grpId="0" nodeType="withEffect">
+                                  <p:stCondLst>
+                                    <p:cond delay="0"/>
+                                  </p:stCondLst>
+                                  <p:childTnLst>
+                                    <p:set>
+                                      <p:cBhvr>
+                                        <p:cTn id="16" dur="1" fill="hold">
+                                          <p:stCondLst>
+                                            <p:cond delay="0"/>
+                                          </p:stCondLst>
+                                        </p:cTn>
+                                        <p:tgtEl>
+                                          <p:spTgt spid="3">
+                                            <p:txEl>
+                                              <p:pRg st="2" end="2"/>
+                                            </p:txEl>
+                                          </p:spTgt>
+                                        </p:tgtEl>
+                                        <p:attrNameLst>
+                                          <p:attrName>style.visibility</p:attrName>
+                                        </p:attrNameLst>
+                                      </p:cBhvr>
+                                      <p:to>
+                                        <p:strVal val="visible"/>
+                                      </p:to>
+                                    </p:set>
+                                    <p:anim calcmode="lin" valueType="num">
+                                      <p:cBhvr additive="base">
+                                        <p:cTn id="17" dur="500" fill="hold"/>
+                                        <p:tgtEl>
+                                          <p:spTgt spid="3">
+                                            <p:txEl>
+                                              <p:pRg st="2" end="2"/>
+                                            </p:txEl>
+                                          </p:spTgt>
+                                        </p:tgtEl>
+                                        <p:attrNameLst>
+                                          <p:attrName>ppt_x</p:attrName>
+                                        </p:attrNameLst>
+                                      </p:cBhvr>
+                                      <p:tavLst>
+                                        <p:tav tm="0">
+                                          <p:val>
+                                            <p:strVal val="0-#ppt_w/2"/>
+                                          </p:val>
+                                        </p:tav>
+                                        <p:tav tm="100000">
+                                          <p:val>
+                                            <p:strVal val="#ppt_x"/>
+                                          </p:val>
+                                        </p:tav>
+                                      </p:tavLst>
+                                    </p:anim>
+                                    <p:anim calcmode="lin" valueType="num">
+                                      <p:cBhvr additive="base">
+                                        <p:cTn id="18" dur="500" fill="hold"/>
+                                        <p:tgtEl>
+                                          <p:spTgt spid="3">
+                                            <p:txEl>
+                                              <p:pRg st="2" end="2"/>
+                                            </p:txEl>
+                                          </p:spTgt>
+                                        </p:tgtEl>
+                                        <p:attrNameLst>
+                                          <p:attrName>ppt_y</p:attrName>
+                                        </p:attrNameLst>
+                                      </p:cBhvr>
+                                      <p:tavLst>
+                                        <p:tav tm="0">
+                                          <p:val>
+                                            <p:strVal val="#ppt_y"/>
+                                          </p:val>
+                                        </p:tav>
+                                        <p:tav tm="100000">
+                                          <p:val>
+                                            <p:strVal val="#ppt_y"/>
+                                          </p:val>
+                                        </p:tav>
+                                      </p:tavLst>
+                                    </p:anim>
+                                  </p:childTnLst>
+                                </p:cTn>
+                              </p:par>
+                              <p:par>
+                                <p:cTn id="19" presetID="2" presetClass="entr" presetSubtype="8" fill="hold" grpId="0" nodeType="withEffect">
+                                  <p:stCondLst>
+                                    <p:cond delay="0"/>
+                                  </p:stCondLst>
+                                  <p:childTnLst>
+                                    <p:set>
+                                      <p:cBhvr>
+                                        <p:cTn id="20" dur="1" fill="hold">
+                                          <p:stCondLst>
+                                            <p:cond delay="0"/>
+                                          </p:stCondLst>
+                                        </p:cTn>
+                                        <p:tgtEl>
+                                          <p:spTgt spid="3">
+                                            <p:txEl>
+                                              <p:pRg st="3" end="3"/>
+                                            </p:txEl>
+                                          </p:spTgt>
+                                        </p:tgtEl>
+                                        <p:attrNameLst>
+                                          <p:attrName>style.visibility</p:attrName>
+                                        </p:attrNameLst>
+                                      </p:cBhvr>
+                                      <p:to>
+                                        <p:strVal val="visible"/>
+                                      </p:to>
+                                    </p:set>
+                                    <p:anim calcmode="lin" valueType="num">
+                                      <p:cBhvr additive="base">
+                                        <p:cTn id="21" dur="500" fill="hold"/>
+                                        <p:tgtEl>
+                                          <p:spTgt spid="3">
+                                            <p:txEl>
+                                              <p:pRg st="3" end="3"/>
+                                            </p:txEl>
+                                          </p:spTgt>
+                                        </p:tgtEl>
+                                        <p:attrNameLst>
+                                          <p:attrName>ppt_x</p:attrName>
+                                        </p:attrNameLst>
+                                      </p:cBhvr>
+                                      <p:tavLst>
+                                        <p:tav tm="0">
+                                          <p:val>
+                                            <p:strVal val="0-#ppt_w/2"/>
+                                          </p:val>
+                                        </p:tav>
+                                        <p:tav tm="100000">
+                                          <p:val>
+                                            <p:strVal val="#ppt_x"/>
+                                          </p:val>
+                                        </p:tav>
+                                      </p:tavLst>
+                                    </p:anim>
+                                    <p:anim calcmode="lin" valueType="num">
+                                      <p:cBhvr additive="base">
+                                        <p:cTn id="22" dur="500" fill="hold"/>
+                                        <p:tgtEl>
+                                          <p:spTgt spid="3">
+                                            <p:txEl>
+                                              <p:pRg st="3" end="3"/>
+                                            </p:txEl>
+                                          </p:spTgt>
+                                        </p:tgtEl>
+                                        <p:attrNameLst>
+                                          <p:attrName>ppt_y</p:attrName>
+                                        </p:attrNameLst>
+                                      </p:cBhvr>
+                                      <p:tavLst>
+                                        <p:tav tm="0">
+                                          <p:val>
+                                            <p:strVal val="#ppt_y"/>
+                                          </p:val>
+                                        </p:tav>
+                                        <p:tav tm="100000">
+                                          <p:val>
+                                            <p:strVal val="#ppt_y"/>
+                                          </p:val>
+                                        </p:tav>
+                                      </p:tavLst>
+                                    </p:anim>
+                                  </p:childTnLst>
+                                </p:cTn>
+                              </p:par>
+                              <p:par>
+                                <p:cTn id="23" presetID="2" presetClass="entr" presetSubtype="8" fill="hold" grpId="0" nodeType="withEffect">
+                                  <p:stCondLst>
+                                    <p:cond delay="0"/>
+                                  </p:stCondLst>
+                                  <p:childTnLst>
+                                    <p:set>
+                                      <p:cBhvr>
+                                        <p:cTn id="24" dur="1" fill="hold">
+                                          <p:stCondLst>
+                                            <p:cond delay="0"/>
+                                          </p:stCondLst>
+                                        </p:cTn>
+                                        <p:tgtEl>
+                                          <p:spTgt spid="3">
+                                            <p:txEl>
+                                              <p:pRg st="4" end="4"/>
+                                            </p:txEl>
+                                          </p:spTgt>
+                                        </p:tgtEl>
+                                        <p:attrNameLst>
+                                          <p:attrName>style.visibility</p:attrName>
+                                        </p:attrNameLst>
+                                      </p:cBhvr>
+                                      <p:to>
+                                        <p:strVal val="visible"/>
+                                      </p:to>
+                                    </p:set>
+                                    <p:anim calcmode="lin" valueType="num">
+                                      <p:cBhvr additive="base">
+                                        <p:cTn id="25" dur="500" fill="hold"/>
+                                        <p:tgtEl>
+                                          <p:spTgt spid="3">
+                                            <p:txEl>
+                                              <p:pRg st="4" end="4"/>
+                                            </p:txEl>
+                                          </p:spTgt>
+                                        </p:tgtEl>
+                                        <p:attrNameLst>
+                                          <p:attrName>ppt_x</p:attrName>
+                                        </p:attrNameLst>
+                                      </p:cBhvr>
+                                      <p:tavLst>
+                                        <p:tav tm="0">
+                                          <p:val>
+                                            <p:strVal val="0-#ppt_w/2"/>
+                                          </p:val>
+                                        </p:tav>
+                                        <p:tav tm="100000">
+                                          <p:val>
+                                            <p:strVal val="#ppt_x"/>
+                                          </p:val>
+                                        </p:tav>
+                                      </p:tavLst>
+                                    </p:anim>
+                                    <p:anim calcmode="lin" valueType="num">
+                                      <p:cBhvr additive="base">
+                                        <p:cTn id="26" dur="500" fill="hold"/>
+                                        <p:tgtEl>
+                                          <p:spTgt spid="3">
+                                            <p:txEl>
+                                              <p:pRg st="4" end="4"/>
+                                            </p:txEl>
+                                          </p:spTgt>
+                                        </p:tgtEl>
+                                        <p:attrNameLst>
+                                          <p:attrName>ppt_y</p:attrName>
+                                        </p:attrNameLst>
+                                      </p:cBhvr>
+                                      <p:tavLst>
+                                        <p:tav tm="0">
+                                          <p:val>
+                                            <p:strVal val="#ppt_y"/>
+                                          </p:val>
+                                        </p:tav>
+                                        <p:tav tm="100000">
+                                          <p:val>
+                                            <p:strVal val="#ppt_y"/>
+                                          </p:val>
+                                        </p:tav>
+                                      </p:tavLst>
+                                    </p:anim>
+                                  </p:childTnLst>
+                                </p:cTn>
+                              </p:par>
+                              <p:par>
+                                <p:cTn id="27" presetID="2" presetClass="entr" presetSubtype="8" fill="hold" grpId="0" nodeType="withEffect">
+                                  <p:stCondLst>
+                                    <p:cond delay="0"/>
+                                  </p:stCondLst>
+                                  <p:childTnLst>
+                                    <p:set>
+                                      <p:cBhvr>
+                                        <p:cTn id="28" dur="1" fill="hold">
+                                          <p:stCondLst>
+                                            <p:cond delay="0"/>
+                                          </p:stCondLst>
+                                        </p:cTn>
+                                        <p:tgtEl>
+                                          <p:spTgt spid="3">
+                                            <p:txEl>
+                                              <p:pRg st="5" end="5"/>
+                                            </p:txEl>
+                                          </p:spTgt>
+                                        </p:tgtEl>
+                                        <p:attrNameLst>
+                                          <p:attrName>style.visibility</p:attrName>
+                                        </p:attrNameLst>
+                                      </p:cBhvr>
+                                      <p:to>
+                                        <p:strVal val="visible"/>
+                                      </p:to>
+                                    </p:set>
+                                    <p:anim calcmode="lin" valueType="num">
+                                      <p:cBhvr additive="base">
+                                        <p:cTn id="29" dur="500" fill="hold"/>
+                                        <p:tgtEl>
+                                          <p:spTgt spid="3">
+                                            <p:txEl>
+                                              <p:pRg st="5" end="5"/>
+                                            </p:txEl>
+                                          </p:spTgt>
+                                        </p:tgtEl>
+                                        <p:attrNameLst>
+                                          <p:attrName>ppt_x</p:attrName>
+                                        </p:attrNameLst>
+                                      </p:cBhvr>
+                                      <p:tavLst>
+                                        <p:tav tm="0">
+                                          <p:val>
+                                            <p:strVal val="0-#ppt_w/2"/>
+                                          </p:val>
+                                        </p:tav>
+                                        <p:tav tm="100000">
+                                          <p:val>
+                                            <p:strVal val="#ppt_x"/>
+                                          </p:val>
+                                        </p:tav>
+                                      </p:tavLst>
+                                    </p:anim>
+                                    <p:anim calcmode="lin" valueType="num">
+                                      <p:cBhvr additive="base">
+                                        <p:cTn id="30" dur="500" fill="hold"/>
+                                        <p:tgtEl>
+                                          <p:spTgt spid="3">
+                                            <p:txEl>
+                                              <p:pRg st="5" end="5"/>
+                                            </p:txEl>
+                                          </p:spTgt>
+                                        </p:tgtEl>
+                                        <p:attrNameLst>
+                                          <p:attrName>ppt_y</p:attrName>
+                                        </p:attrNameLst>
+                                      </p:cBhvr>
+                                      <p:tavLst>
+                                        <p:tav tm="0">
+                                          <p:val>
+                                            <p:strVal val="#ppt_y"/>
+                                          </p:val>
+                                        </p:tav>
+                                        <p:tav tm="100000">
+                                          <p:val>
+                                            <p:strVal val="#ppt_y"/>
+                                          </p:val>
+                                        </p:tav>
+                                      </p:tavLst>
+                                    </p:anim>
+                                  </p:childTnLst>
+                                </p:cTn>
+                              </p:par>
+                            </p:childTnLst>
+                          </p:cTn>
+                        </p:par>
+                      </p:childTnLst>
+                    </p:cTn>
+                  </p:par>
+                </p:childTnLst>
+              </p:cTn>
+              <p:prevCondLst>
+                <p:cond evt="onPrev" delay="0">
+                  <p:tgtEl>
+                    <p:sldTgt/>
+                  </p:tgtEl>
+                </p:cond>
+              </p:prevCondLst>
+              <p:nextCondLst>
+                <p:cond evt="onNext" delay="0">
+                  <p:tgtEl>
+                    <p:sldTgt/>
+                  </p:tgtEl>
+                </p:cond>
+              </p:nextCondLst>
+            </p:seq>
+          </p:childTnLst>
+        </p:cTn>
+      </p:par>
+    </p:tnLst>
+    <p:bldLst>
+      <p:bldP spid="3" grpId="0" build="p"/>
+    </p:bldLst>
+  </p:timing>
 </p:sld>
 </file>
 
@@ -6573,6 +8179,216 @@
   <p:clrMapOvr>
     <a:masterClrMapping/>
   </p:clrMapOvr>
+  <p:timing>
+    <p:tnLst>
+      <p:par>
+        <p:cTn id="1" dur="indefinite" restart="never" nodeType="tmRoot">
+          <p:childTnLst>
+            <p:seq concurrent="1" nextAc="seek">
+              <p:cTn id="2" dur="indefinite" nodeType="mainSeq">
+                <p:childTnLst>
+                  <p:par>
+                    <p:cTn id="3" fill="hold">
+                      <p:stCondLst>
+                        <p:cond delay="indefinite"/>
+                      </p:stCondLst>
+                      <p:childTnLst>
+                        <p:par>
+                          <p:cTn id="4" fill="hold">
+                            <p:stCondLst>
+                              <p:cond delay="0"/>
+                            </p:stCondLst>
+                            <p:childTnLst>
+                              <p:par>
+                                <p:cTn id="5" presetID="12" presetClass="entr" presetSubtype="4" fill="hold" grpId="0" nodeType="clickEffect">
+                                  <p:stCondLst>
+                                    <p:cond delay="0"/>
+                                  </p:stCondLst>
+                                  <p:childTnLst>
+                                    <p:set>
+                                      <p:cBhvr>
+                                        <p:cTn id="6" dur="1" fill="hold">
+                                          <p:stCondLst>
+                                            <p:cond delay="0"/>
+                                          </p:stCondLst>
+                                        </p:cTn>
+                                        <p:tgtEl>
+                                          <p:spTgt spid="5">
+                                            <p:txEl>
+                                              <p:pRg st="0" end="0"/>
+                                            </p:txEl>
+                                          </p:spTgt>
+                                        </p:tgtEl>
+                                        <p:attrNameLst>
+                                          <p:attrName>style.visibility</p:attrName>
+                                        </p:attrNameLst>
+                                      </p:cBhvr>
+                                      <p:to>
+                                        <p:strVal val="visible"/>
+                                      </p:to>
+                                    </p:set>
+                                    <p:anim calcmode="lin" valueType="num">
+                                      <p:cBhvr additive="base">
+                                        <p:cTn id="7" dur="500"/>
+                                        <p:tgtEl>
+                                          <p:spTgt spid="5">
+                                            <p:txEl>
+                                              <p:pRg st="0" end="0"/>
+                                            </p:txEl>
+                                          </p:spTgt>
+                                        </p:tgtEl>
+                                        <p:attrNameLst>
+                                          <p:attrName>ppt_y</p:attrName>
+                                        </p:attrNameLst>
+                                      </p:cBhvr>
+                                      <p:tavLst>
+                                        <p:tav tm="0">
+                                          <p:val>
+                                            <p:strVal val="#ppt_y+#ppt_h*1.125000"/>
+                                          </p:val>
+                                        </p:tav>
+                                        <p:tav tm="100000">
+                                          <p:val>
+                                            <p:strVal val="#ppt_y"/>
+                                          </p:val>
+                                        </p:tav>
+                                      </p:tavLst>
+                                    </p:anim>
+                                    <p:animEffect transition="in" filter="wipe(up)">
+                                      <p:cBhvr>
+                                        <p:cTn id="8" dur="500"/>
+                                        <p:tgtEl>
+                                          <p:spTgt spid="5">
+                                            <p:txEl>
+                                              <p:pRg st="0" end="0"/>
+                                            </p:txEl>
+                                          </p:spTgt>
+                                        </p:tgtEl>
+                                      </p:cBhvr>
+                                    </p:animEffect>
+                                  </p:childTnLst>
+                                </p:cTn>
+                              </p:par>
+                            </p:childTnLst>
+                          </p:cTn>
+                        </p:par>
+                      </p:childTnLst>
+                    </p:cTn>
+                  </p:par>
+                  <p:par>
+                    <p:cTn id="9" fill="hold">
+                      <p:stCondLst>
+                        <p:cond delay="indefinite"/>
+                      </p:stCondLst>
+                      <p:childTnLst>
+                        <p:par>
+                          <p:cTn id="10" fill="hold">
+                            <p:stCondLst>
+                              <p:cond delay="0"/>
+                            </p:stCondLst>
+                            <p:childTnLst>
+                              <p:par>
+                                <p:cTn id="11" presetID="12" presetClass="entr" presetSubtype="4" fill="hold" grpId="0" nodeType="clickEffect">
+                                  <p:stCondLst>
+                                    <p:cond delay="0"/>
+                                  </p:stCondLst>
+                                  <p:childTnLst>
+                                    <p:set>
+                                      <p:cBhvr>
+                                        <p:cTn id="12" dur="1" fill="hold">
+                                          <p:stCondLst>
+                                            <p:cond delay="0"/>
+                                          </p:stCondLst>
+                                        </p:cTn>
+                                        <p:tgtEl>
+                                          <p:spTgt spid="7">
+                                            <p:txEl>
+                                              <p:pRg st="0" end="0"/>
+                                            </p:txEl>
+                                          </p:spTgt>
+                                        </p:tgtEl>
+                                        <p:attrNameLst>
+                                          <p:attrName>style.visibility</p:attrName>
+                                        </p:attrNameLst>
+                                      </p:cBhvr>
+                                      <p:to>
+                                        <p:strVal val="visible"/>
+                                      </p:to>
+                                    </p:set>
+                                    <p:anim calcmode="lin" valueType="num">
+                                      <p:cBhvr additive="base">
+                                        <p:cTn id="13" dur="500"/>
+                                        <p:tgtEl>
+                                          <p:spTgt spid="7">
+                                            <p:txEl>
+                                              <p:pRg st="0" end="0"/>
+                                            </p:txEl>
+                                          </p:spTgt>
+                                        </p:tgtEl>
+                                        <p:attrNameLst>
+                                          <p:attrName>ppt_y</p:attrName>
+                                        </p:attrNameLst>
+                                      </p:cBhvr>
+                                      <p:tavLst>
+                                        <p:tav tm="0">
+                                          <p:val>
+                                            <p:strVal val="#ppt_y+#ppt_h*1.125000"/>
+                                          </p:val>
+                                        </p:tav>
+                                        <p:tav tm="100000">
+                                          <p:val>
+                                            <p:strVal val="#ppt_y"/>
+                                          </p:val>
+                                        </p:tav>
+                                      </p:tavLst>
+                                    </p:anim>
+                                    <p:animEffect transition="in" filter="wipe(up)">
+                                      <p:cBhvr>
+                                        <p:cTn id="14" dur="500"/>
+                                        <p:tgtEl>
+                                          <p:spTgt spid="7">
+                                            <p:txEl>
+                                              <p:pRg st="0" end="0"/>
+                                            </p:txEl>
+                                          </p:spTgt>
+                                        </p:tgtEl>
+                                      </p:cBhvr>
+                                    </p:animEffect>
+                                  </p:childTnLst>
+                                </p:cTn>
+                              </p:par>
+                            </p:childTnLst>
+                          </p:cTn>
+                        </p:par>
+                      </p:childTnLst>
+                    </p:cTn>
+                  </p:par>
+                </p:childTnLst>
+              </p:cTn>
+              <p:prevCondLst>
+                <p:cond evt="onPrev" delay="0">
+                  <p:tgtEl>
+                    <p:sldTgt/>
+                  </p:tgtEl>
+                </p:cond>
+              </p:prevCondLst>
+              <p:nextCondLst>
+                <p:cond evt="onNext" delay="0">
+                  <p:tgtEl>
+                    <p:sldTgt/>
+                  </p:tgtEl>
+                </p:cond>
+              </p:nextCondLst>
+            </p:seq>
+          </p:childTnLst>
+        </p:cTn>
+      </p:par>
+    </p:tnLst>
+    <p:bldLst>
+      <p:bldP spid="5" grpId="0" build="p"/>
+      <p:bldP spid="7" grpId="0" build="p"/>
+    </p:bldLst>
+  </p:timing>
 </p:sld>
 </file>
 
@@ -6726,6 +8542,1113 @@
   <p:clrMapOvr>
     <a:masterClrMapping/>
   </p:clrMapOvr>
+  <p:timing>
+    <p:tnLst>
+      <p:par>
+        <p:cTn id="1" dur="indefinite" restart="never" nodeType="tmRoot">
+          <p:childTnLst>
+            <p:seq concurrent="1" nextAc="seek">
+              <p:cTn id="2" dur="indefinite" nodeType="mainSeq">
+                <p:childTnLst>
+                  <p:par>
+                    <p:cTn id="3" fill="hold">
+                      <p:stCondLst>
+                        <p:cond delay="indefinite"/>
+                      </p:stCondLst>
+                      <p:childTnLst>
+                        <p:par>
+                          <p:cTn id="4" fill="hold">
+                            <p:stCondLst>
+                              <p:cond delay="0"/>
+                            </p:stCondLst>
+                            <p:childTnLst>
+                              <p:par>
+                                <p:cTn id="5" presetID="2" presetClass="entr" presetSubtype="4" fill="hold" grpId="0" nodeType="clickEffect">
+                                  <p:stCondLst>
+                                    <p:cond delay="0"/>
+                                  </p:stCondLst>
+                                  <p:childTnLst>
+                                    <p:set>
+                                      <p:cBhvr>
+                                        <p:cTn id="6" dur="1" fill="hold">
+                                          <p:stCondLst>
+                                            <p:cond delay="0"/>
+                                          </p:stCondLst>
+                                        </p:cTn>
+                                        <p:tgtEl>
+                                          <p:spTgt spid="8">
+                                            <p:txEl>
+                                              <p:pRg st="0" end="0"/>
+                                            </p:txEl>
+                                          </p:spTgt>
+                                        </p:tgtEl>
+                                        <p:attrNameLst>
+                                          <p:attrName>style.visibility</p:attrName>
+                                        </p:attrNameLst>
+                                      </p:cBhvr>
+                                      <p:to>
+                                        <p:strVal val="visible"/>
+                                      </p:to>
+                                    </p:set>
+                                    <p:anim calcmode="lin" valueType="num">
+                                      <p:cBhvr additive="base">
+                                        <p:cTn id="7" dur="500" fill="hold"/>
+                                        <p:tgtEl>
+                                          <p:spTgt spid="8">
+                                            <p:txEl>
+                                              <p:pRg st="0" end="0"/>
+                                            </p:txEl>
+                                          </p:spTgt>
+                                        </p:tgtEl>
+                                        <p:attrNameLst>
+                                          <p:attrName>ppt_x</p:attrName>
+                                        </p:attrNameLst>
+                                      </p:cBhvr>
+                                      <p:tavLst>
+                                        <p:tav tm="0">
+                                          <p:val>
+                                            <p:strVal val="#ppt_x"/>
+                                          </p:val>
+                                        </p:tav>
+                                        <p:tav tm="100000">
+                                          <p:val>
+                                            <p:strVal val="#ppt_x"/>
+                                          </p:val>
+                                        </p:tav>
+                                      </p:tavLst>
+                                    </p:anim>
+                                    <p:anim calcmode="lin" valueType="num">
+                                      <p:cBhvr additive="base">
+                                        <p:cTn id="8" dur="500" fill="hold"/>
+                                        <p:tgtEl>
+                                          <p:spTgt spid="8">
+                                            <p:txEl>
+                                              <p:pRg st="0" end="0"/>
+                                            </p:txEl>
+                                          </p:spTgt>
+                                        </p:tgtEl>
+                                        <p:attrNameLst>
+                                          <p:attrName>ppt_y</p:attrName>
+                                        </p:attrNameLst>
+                                      </p:cBhvr>
+                                      <p:tavLst>
+                                        <p:tav tm="0">
+                                          <p:val>
+                                            <p:strVal val="1+#ppt_h/2"/>
+                                          </p:val>
+                                        </p:tav>
+                                        <p:tav tm="100000">
+                                          <p:val>
+                                            <p:strVal val="#ppt_y"/>
+                                          </p:val>
+                                        </p:tav>
+                                      </p:tavLst>
+                                    </p:anim>
+                                  </p:childTnLst>
+                                </p:cTn>
+                              </p:par>
+                              <p:par>
+                                <p:cTn id="9" presetID="2" presetClass="entr" presetSubtype="4" fill="hold" grpId="0" nodeType="withEffect">
+                                  <p:stCondLst>
+                                    <p:cond delay="0"/>
+                                  </p:stCondLst>
+                                  <p:childTnLst>
+                                    <p:set>
+                                      <p:cBhvr>
+                                        <p:cTn id="10" dur="1" fill="hold">
+                                          <p:stCondLst>
+                                            <p:cond delay="0"/>
+                                          </p:stCondLst>
+                                        </p:cTn>
+                                        <p:tgtEl>
+                                          <p:spTgt spid="8">
+                                            <p:txEl>
+                                              <p:pRg st="1" end="1"/>
+                                            </p:txEl>
+                                          </p:spTgt>
+                                        </p:tgtEl>
+                                        <p:attrNameLst>
+                                          <p:attrName>style.visibility</p:attrName>
+                                        </p:attrNameLst>
+                                      </p:cBhvr>
+                                      <p:to>
+                                        <p:strVal val="visible"/>
+                                      </p:to>
+                                    </p:set>
+                                    <p:anim calcmode="lin" valueType="num">
+                                      <p:cBhvr additive="base">
+                                        <p:cTn id="11" dur="500" fill="hold"/>
+                                        <p:tgtEl>
+                                          <p:spTgt spid="8">
+                                            <p:txEl>
+                                              <p:pRg st="1" end="1"/>
+                                            </p:txEl>
+                                          </p:spTgt>
+                                        </p:tgtEl>
+                                        <p:attrNameLst>
+                                          <p:attrName>ppt_x</p:attrName>
+                                        </p:attrNameLst>
+                                      </p:cBhvr>
+                                      <p:tavLst>
+                                        <p:tav tm="0">
+                                          <p:val>
+                                            <p:strVal val="#ppt_x"/>
+                                          </p:val>
+                                        </p:tav>
+                                        <p:tav tm="100000">
+                                          <p:val>
+                                            <p:strVal val="#ppt_x"/>
+                                          </p:val>
+                                        </p:tav>
+                                      </p:tavLst>
+                                    </p:anim>
+                                    <p:anim calcmode="lin" valueType="num">
+                                      <p:cBhvr additive="base">
+                                        <p:cTn id="12" dur="500" fill="hold"/>
+                                        <p:tgtEl>
+                                          <p:spTgt spid="8">
+                                            <p:txEl>
+                                              <p:pRg st="1" end="1"/>
+                                            </p:txEl>
+                                          </p:spTgt>
+                                        </p:tgtEl>
+                                        <p:attrNameLst>
+                                          <p:attrName>ppt_y</p:attrName>
+                                        </p:attrNameLst>
+                                      </p:cBhvr>
+                                      <p:tavLst>
+                                        <p:tav tm="0">
+                                          <p:val>
+                                            <p:strVal val="1+#ppt_h/2"/>
+                                          </p:val>
+                                        </p:tav>
+                                        <p:tav tm="100000">
+                                          <p:val>
+                                            <p:strVal val="#ppt_y"/>
+                                          </p:val>
+                                        </p:tav>
+                                      </p:tavLst>
+                                    </p:anim>
+                                  </p:childTnLst>
+                                </p:cTn>
+                              </p:par>
+                              <p:par>
+                                <p:cTn id="13" presetID="2" presetClass="entr" presetSubtype="4" fill="hold" grpId="0" nodeType="withEffect">
+                                  <p:stCondLst>
+                                    <p:cond delay="0"/>
+                                  </p:stCondLst>
+                                  <p:childTnLst>
+                                    <p:set>
+                                      <p:cBhvr>
+                                        <p:cTn id="14" dur="1" fill="hold">
+                                          <p:stCondLst>
+                                            <p:cond delay="0"/>
+                                          </p:stCondLst>
+                                        </p:cTn>
+                                        <p:tgtEl>
+                                          <p:spTgt spid="8">
+                                            <p:txEl>
+                                              <p:pRg st="2" end="2"/>
+                                            </p:txEl>
+                                          </p:spTgt>
+                                        </p:tgtEl>
+                                        <p:attrNameLst>
+                                          <p:attrName>style.visibility</p:attrName>
+                                        </p:attrNameLst>
+                                      </p:cBhvr>
+                                      <p:to>
+                                        <p:strVal val="visible"/>
+                                      </p:to>
+                                    </p:set>
+                                    <p:anim calcmode="lin" valueType="num">
+                                      <p:cBhvr additive="base">
+                                        <p:cTn id="15" dur="500" fill="hold"/>
+                                        <p:tgtEl>
+                                          <p:spTgt spid="8">
+                                            <p:txEl>
+                                              <p:pRg st="2" end="2"/>
+                                            </p:txEl>
+                                          </p:spTgt>
+                                        </p:tgtEl>
+                                        <p:attrNameLst>
+                                          <p:attrName>ppt_x</p:attrName>
+                                        </p:attrNameLst>
+                                      </p:cBhvr>
+                                      <p:tavLst>
+                                        <p:tav tm="0">
+                                          <p:val>
+                                            <p:strVal val="#ppt_x"/>
+                                          </p:val>
+                                        </p:tav>
+                                        <p:tav tm="100000">
+                                          <p:val>
+                                            <p:strVal val="#ppt_x"/>
+                                          </p:val>
+                                        </p:tav>
+                                      </p:tavLst>
+                                    </p:anim>
+                                    <p:anim calcmode="lin" valueType="num">
+                                      <p:cBhvr additive="base">
+                                        <p:cTn id="16" dur="500" fill="hold"/>
+                                        <p:tgtEl>
+                                          <p:spTgt spid="8">
+                                            <p:txEl>
+                                              <p:pRg st="2" end="2"/>
+                                            </p:txEl>
+                                          </p:spTgt>
+                                        </p:tgtEl>
+                                        <p:attrNameLst>
+                                          <p:attrName>ppt_y</p:attrName>
+                                        </p:attrNameLst>
+                                      </p:cBhvr>
+                                      <p:tavLst>
+                                        <p:tav tm="0">
+                                          <p:val>
+                                            <p:strVal val="1+#ppt_h/2"/>
+                                          </p:val>
+                                        </p:tav>
+                                        <p:tav tm="100000">
+                                          <p:val>
+                                            <p:strVal val="#ppt_y"/>
+                                          </p:val>
+                                        </p:tav>
+                                      </p:tavLst>
+                                    </p:anim>
+                                  </p:childTnLst>
+                                </p:cTn>
+                              </p:par>
+                            </p:childTnLst>
+                          </p:cTn>
+                        </p:par>
+                      </p:childTnLst>
+                    </p:cTn>
+                  </p:par>
+                  <p:par>
+                    <p:cTn id="17" fill="hold">
+                      <p:stCondLst>
+                        <p:cond delay="indefinite"/>
+                      </p:stCondLst>
+                      <p:childTnLst>
+                        <p:par>
+                          <p:cTn id="18" fill="hold">
+                            <p:stCondLst>
+                              <p:cond delay="0"/>
+                            </p:stCondLst>
+                            <p:childTnLst>
+                              <p:par>
+                                <p:cTn id="19" presetID="2" presetClass="entr" presetSubtype="4" fill="hold" grpId="0" nodeType="clickEffect">
+                                  <p:stCondLst>
+                                    <p:cond delay="0"/>
+                                  </p:stCondLst>
+                                  <p:childTnLst>
+                                    <p:set>
+                                      <p:cBhvr>
+                                        <p:cTn id="20" dur="1" fill="hold">
+                                          <p:stCondLst>
+                                            <p:cond delay="0"/>
+                                          </p:stCondLst>
+                                        </p:cTn>
+                                        <p:tgtEl>
+                                          <p:spTgt spid="8">
+                                            <p:txEl>
+                                              <p:pRg st="3" end="3"/>
+                                            </p:txEl>
+                                          </p:spTgt>
+                                        </p:tgtEl>
+                                        <p:attrNameLst>
+                                          <p:attrName>style.visibility</p:attrName>
+                                        </p:attrNameLst>
+                                      </p:cBhvr>
+                                      <p:to>
+                                        <p:strVal val="visible"/>
+                                      </p:to>
+                                    </p:set>
+                                    <p:anim calcmode="lin" valueType="num">
+                                      <p:cBhvr additive="base">
+                                        <p:cTn id="21" dur="500" fill="hold"/>
+                                        <p:tgtEl>
+                                          <p:spTgt spid="8">
+                                            <p:txEl>
+                                              <p:pRg st="3" end="3"/>
+                                            </p:txEl>
+                                          </p:spTgt>
+                                        </p:tgtEl>
+                                        <p:attrNameLst>
+                                          <p:attrName>ppt_x</p:attrName>
+                                        </p:attrNameLst>
+                                      </p:cBhvr>
+                                      <p:tavLst>
+                                        <p:tav tm="0">
+                                          <p:val>
+                                            <p:strVal val="#ppt_x"/>
+                                          </p:val>
+                                        </p:tav>
+                                        <p:tav tm="100000">
+                                          <p:val>
+                                            <p:strVal val="#ppt_x"/>
+                                          </p:val>
+                                        </p:tav>
+                                      </p:tavLst>
+                                    </p:anim>
+                                    <p:anim calcmode="lin" valueType="num">
+                                      <p:cBhvr additive="base">
+                                        <p:cTn id="22" dur="500" fill="hold"/>
+                                        <p:tgtEl>
+                                          <p:spTgt spid="8">
+                                            <p:txEl>
+                                              <p:pRg st="3" end="3"/>
+                                            </p:txEl>
+                                          </p:spTgt>
+                                        </p:tgtEl>
+                                        <p:attrNameLst>
+                                          <p:attrName>ppt_y</p:attrName>
+                                        </p:attrNameLst>
+                                      </p:cBhvr>
+                                      <p:tavLst>
+                                        <p:tav tm="0">
+                                          <p:val>
+                                            <p:strVal val="1+#ppt_h/2"/>
+                                          </p:val>
+                                        </p:tav>
+                                        <p:tav tm="100000">
+                                          <p:val>
+                                            <p:strVal val="#ppt_y"/>
+                                          </p:val>
+                                        </p:tav>
+                                      </p:tavLst>
+                                    </p:anim>
+                                  </p:childTnLst>
+                                </p:cTn>
+                              </p:par>
+                              <p:par>
+                                <p:cTn id="23" presetID="2" presetClass="entr" presetSubtype="4" fill="hold" grpId="0" nodeType="withEffect">
+                                  <p:stCondLst>
+                                    <p:cond delay="0"/>
+                                  </p:stCondLst>
+                                  <p:childTnLst>
+                                    <p:set>
+                                      <p:cBhvr>
+                                        <p:cTn id="24" dur="1" fill="hold">
+                                          <p:stCondLst>
+                                            <p:cond delay="0"/>
+                                          </p:stCondLst>
+                                        </p:cTn>
+                                        <p:tgtEl>
+                                          <p:spTgt spid="8">
+                                            <p:txEl>
+                                              <p:pRg st="4" end="4"/>
+                                            </p:txEl>
+                                          </p:spTgt>
+                                        </p:tgtEl>
+                                        <p:attrNameLst>
+                                          <p:attrName>style.visibility</p:attrName>
+                                        </p:attrNameLst>
+                                      </p:cBhvr>
+                                      <p:to>
+                                        <p:strVal val="visible"/>
+                                      </p:to>
+                                    </p:set>
+                                    <p:anim calcmode="lin" valueType="num">
+                                      <p:cBhvr additive="base">
+                                        <p:cTn id="25" dur="500" fill="hold"/>
+                                        <p:tgtEl>
+                                          <p:spTgt spid="8">
+                                            <p:txEl>
+                                              <p:pRg st="4" end="4"/>
+                                            </p:txEl>
+                                          </p:spTgt>
+                                        </p:tgtEl>
+                                        <p:attrNameLst>
+                                          <p:attrName>ppt_x</p:attrName>
+                                        </p:attrNameLst>
+                                      </p:cBhvr>
+                                      <p:tavLst>
+                                        <p:tav tm="0">
+                                          <p:val>
+                                            <p:strVal val="#ppt_x"/>
+                                          </p:val>
+                                        </p:tav>
+                                        <p:tav tm="100000">
+                                          <p:val>
+                                            <p:strVal val="#ppt_x"/>
+                                          </p:val>
+                                        </p:tav>
+                                      </p:tavLst>
+                                    </p:anim>
+                                    <p:anim calcmode="lin" valueType="num">
+                                      <p:cBhvr additive="base">
+                                        <p:cTn id="26" dur="500" fill="hold"/>
+                                        <p:tgtEl>
+                                          <p:spTgt spid="8">
+                                            <p:txEl>
+                                              <p:pRg st="4" end="4"/>
+                                            </p:txEl>
+                                          </p:spTgt>
+                                        </p:tgtEl>
+                                        <p:attrNameLst>
+                                          <p:attrName>ppt_y</p:attrName>
+                                        </p:attrNameLst>
+                                      </p:cBhvr>
+                                      <p:tavLst>
+                                        <p:tav tm="0">
+                                          <p:val>
+                                            <p:strVal val="1+#ppt_h/2"/>
+                                          </p:val>
+                                        </p:tav>
+                                        <p:tav tm="100000">
+                                          <p:val>
+                                            <p:strVal val="#ppt_y"/>
+                                          </p:val>
+                                        </p:tav>
+                                      </p:tavLst>
+                                    </p:anim>
+                                  </p:childTnLst>
+                                </p:cTn>
+                              </p:par>
+                              <p:par>
+                                <p:cTn id="27" presetID="2" presetClass="entr" presetSubtype="4" fill="hold" grpId="0" nodeType="withEffect">
+                                  <p:stCondLst>
+                                    <p:cond delay="0"/>
+                                  </p:stCondLst>
+                                  <p:childTnLst>
+                                    <p:set>
+                                      <p:cBhvr>
+                                        <p:cTn id="28" dur="1" fill="hold">
+                                          <p:stCondLst>
+                                            <p:cond delay="0"/>
+                                          </p:stCondLst>
+                                        </p:cTn>
+                                        <p:tgtEl>
+                                          <p:spTgt spid="8">
+                                            <p:txEl>
+                                              <p:pRg st="5" end="5"/>
+                                            </p:txEl>
+                                          </p:spTgt>
+                                        </p:tgtEl>
+                                        <p:attrNameLst>
+                                          <p:attrName>style.visibility</p:attrName>
+                                        </p:attrNameLst>
+                                      </p:cBhvr>
+                                      <p:to>
+                                        <p:strVal val="visible"/>
+                                      </p:to>
+                                    </p:set>
+                                    <p:anim calcmode="lin" valueType="num">
+                                      <p:cBhvr additive="base">
+                                        <p:cTn id="29" dur="500" fill="hold"/>
+                                        <p:tgtEl>
+                                          <p:spTgt spid="8">
+                                            <p:txEl>
+                                              <p:pRg st="5" end="5"/>
+                                            </p:txEl>
+                                          </p:spTgt>
+                                        </p:tgtEl>
+                                        <p:attrNameLst>
+                                          <p:attrName>ppt_x</p:attrName>
+                                        </p:attrNameLst>
+                                      </p:cBhvr>
+                                      <p:tavLst>
+                                        <p:tav tm="0">
+                                          <p:val>
+                                            <p:strVal val="#ppt_x"/>
+                                          </p:val>
+                                        </p:tav>
+                                        <p:tav tm="100000">
+                                          <p:val>
+                                            <p:strVal val="#ppt_x"/>
+                                          </p:val>
+                                        </p:tav>
+                                      </p:tavLst>
+                                    </p:anim>
+                                    <p:anim calcmode="lin" valueType="num">
+                                      <p:cBhvr additive="base">
+                                        <p:cTn id="30" dur="500" fill="hold"/>
+                                        <p:tgtEl>
+                                          <p:spTgt spid="8">
+                                            <p:txEl>
+                                              <p:pRg st="5" end="5"/>
+                                            </p:txEl>
+                                          </p:spTgt>
+                                        </p:tgtEl>
+                                        <p:attrNameLst>
+                                          <p:attrName>ppt_y</p:attrName>
+                                        </p:attrNameLst>
+                                      </p:cBhvr>
+                                      <p:tavLst>
+                                        <p:tav tm="0">
+                                          <p:val>
+                                            <p:strVal val="1+#ppt_h/2"/>
+                                          </p:val>
+                                        </p:tav>
+                                        <p:tav tm="100000">
+                                          <p:val>
+                                            <p:strVal val="#ppt_y"/>
+                                          </p:val>
+                                        </p:tav>
+                                      </p:tavLst>
+                                    </p:anim>
+                                  </p:childTnLst>
+                                </p:cTn>
+                              </p:par>
+                              <p:par>
+                                <p:cTn id="31" presetID="2" presetClass="entr" presetSubtype="4" fill="hold" grpId="0" nodeType="withEffect">
+                                  <p:stCondLst>
+                                    <p:cond delay="0"/>
+                                  </p:stCondLst>
+                                  <p:childTnLst>
+                                    <p:set>
+                                      <p:cBhvr>
+                                        <p:cTn id="32" dur="1" fill="hold">
+                                          <p:stCondLst>
+                                            <p:cond delay="0"/>
+                                          </p:stCondLst>
+                                        </p:cTn>
+                                        <p:tgtEl>
+                                          <p:spTgt spid="8">
+                                            <p:txEl>
+                                              <p:pRg st="6" end="6"/>
+                                            </p:txEl>
+                                          </p:spTgt>
+                                        </p:tgtEl>
+                                        <p:attrNameLst>
+                                          <p:attrName>style.visibility</p:attrName>
+                                        </p:attrNameLst>
+                                      </p:cBhvr>
+                                      <p:to>
+                                        <p:strVal val="visible"/>
+                                      </p:to>
+                                    </p:set>
+                                    <p:anim calcmode="lin" valueType="num">
+                                      <p:cBhvr additive="base">
+                                        <p:cTn id="33" dur="500" fill="hold"/>
+                                        <p:tgtEl>
+                                          <p:spTgt spid="8">
+                                            <p:txEl>
+                                              <p:pRg st="6" end="6"/>
+                                            </p:txEl>
+                                          </p:spTgt>
+                                        </p:tgtEl>
+                                        <p:attrNameLst>
+                                          <p:attrName>ppt_x</p:attrName>
+                                        </p:attrNameLst>
+                                      </p:cBhvr>
+                                      <p:tavLst>
+                                        <p:tav tm="0">
+                                          <p:val>
+                                            <p:strVal val="#ppt_x"/>
+                                          </p:val>
+                                        </p:tav>
+                                        <p:tav tm="100000">
+                                          <p:val>
+                                            <p:strVal val="#ppt_x"/>
+                                          </p:val>
+                                        </p:tav>
+                                      </p:tavLst>
+                                    </p:anim>
+                                    <p:anim calcmode="lin" valueType="num">
+                                      <p:cBhvr additive="base">
+                                        <p:cTn id="34" dur="500" fill="hold"/>
+                                        <p:tgtEl>
+                                          <p:spTgt spid="8">
+                                            <p:txEl>
+                                              <p:pRg st="6" end="6"/>
+                                            </p:txEl>
+                                          </p:spTgt>
+                                        </p:tgtEl>
+                                        <p:attrNameLst>
+                                          <p:attrName>ppt_y</p:attrName>
+                                        </p:attrNameLst>
+                                      </p:cBhvr>
+                                      <p:tavLst>
+                                        <p:tav tm="0">
+                                          <p:val>
+                                            <p:strVal val="1+#ppt_h/2"/>
+                                          </p:val>
+                                        </p:tav>
+                                        <p:tav tm="100000">
+                                          <p:val>
+                                            <p:strVal val="#ppt_y"/>
+                                          </p:val>
+                                        </p:tav>
+                                      </p:tavLst>
+                                    </p:anim>
+                                  </p:childTnLst>
+                                </p:cTn>
+                              </p:par>
+                              <p:par>
+                                <p:cTn id="35" presetID="2" presetClass="entr" presetSubtype="4" fill="hold" grpId="0" nodeType="withEffect">
+                                  <p:stCondLst>
+                                    <p:cond delay="0"/>
+                                  </p:stCondLst>
+                                  <p:childTnLst>
+                                    <p:set>
+                                      <p:cBhvr>
+                                        <p:cTn id="36" dur="1" fill="hold">
+                                          <p:stCondLst>
+                                            <p:cond delay="0"/>
+                                          </p:stCondLst>
+                                        </p:cTn>
+                                        <p:tgtEl>
+                                          <p:spTgt spid="8">
+                                            <p:txEl>
+                                              <p:pRg st="7" end="7"/>
+                                            </p:txEl>
+                                          </p:spTgt>
+                                        </p:tgtEl>
+                                        <p:attrNameLst>
+                                          <p:attrName>style.visibility</p:attrName>
+                                        </p:attrNameLst>
+                                      </p:cBhvr>
+                                      <p:to>
+                                        <p:strVal val="visible"/>
+                                      </p:to>
+                                    </p:set>
+                                    <p:anim calcmode="lin" valueType="num">
+                                      <p:cBhvr additive="base">
+                                        <p:cTn id="37" dur="500" fill="hold"/>
+                                        <p:tgtEl>
+                                          <p:spTgt spid="8">
+                                            <p:txEl>
+                                              <p:pRg st="7" end="7"/>
+                                            </p:txEl>
+                                          </p:spTgt>
+                                        </p:tgtEl>
+                                        <p:attrNameLst>
+                                          <p:attrName>ppt_x</p:attrName>
+                                        </p:attrNameLst>
+                                      </p:cBhvr>
+                                      <p:tavLst>
+                                        <p:tav tm="0">
+                                          <p:val>
+                                            <p:strVal val="#ppt_x"/>
+                                          </p:val>
+                                        </p:tav>
+                                        <p:tav tm="100000">
+                                          <p:val>
+                                            <p:strVal val="#ppt_x"/>
+                                          </p:val>
+                                        </p:tav>
+                                      </p:tavLst>
+                                    </p:anim>
+                                    <p:anim calcmode="lin" valueType="num">
+                                      <p:cBhvr additive="base">
+                                        <p:cTn id="38" dur="500" fill="hold"/>
+                                        <p:tgtEl>
+                                          <p:spTgt spid="8">
+                                            <p:txEl>
+                                              <p:pRg st="7" end="7"/>
+                                            </p:txEl>
+                                          </p:spTgt>
+                                        </p:tgtEl>
+                                        <p:attrNameLst>
+                                          <p:attrName>ppt_y</p:attrName>
+                                        </p:attrNameLst>
+                                      </p:cBhvr>
+                                      <p:tavLst>
+                                        <p:tav tm="0">
+                                          <p:val>
+                                            <p:strVal val="1+#ppt_h/2"/>
+                                          </p:val>
+                                        </p:tav>
+                                        <p:tav tm="100000">
+                                          <p:val>
+                                            <p:strVal val="#ppt_y"/>
+                                          </p:val>
+                                        </p:tav>
+                                      </p:tavLst>
+                                    </p:anim>
+                                  </p:childTnLst>
+                                </p:cTn>
+                              </p:par>
+                            </p:childTnLst>
+                          </p:cTn>
+                        </p:par>
+                      </p:childTnLst>
+                    </p:cTn>
+                  </p:par>
+                  <p:par>
+                    <p:cTn id="39" fill="hold">
+                      <p:stCondLst>
+                        <p:cond delay="indefinite"/>
+                      </p:stCondLst>
+                      <p:childTnLst>
+                        <p:par>
+                          <p:cTn id="40" fill="hold">
+                            <p:stCondLst>
+                              <p:cond delay="0"/>
+                            </p:stCondLst>
+                            <p:childTnLst>
+                              <p:par>
+                                <p:cTn id="41" presetID="2" presetClass="entr" presetSubtype="4" fill="hold" grpId="0" nodeType="clickEffect">
+                                  <p:stCondLst>
+                                    <p:cond delay="0"/>
+                                  </p:stCondLst>
+                                  <p:childTnLst>
+                                    <p:set>
+                                      <p:cBhvr>
+                                        <p:cTn id="42" dur="1" fill="hold">
+                                          <p:stCondLst>
+                                            <p:cond delay="0"/>
+                                          </p:stCondLst>
+                                        </p:cTn>
+                                        <p:tgtEl>
+                                          <p:spTgt spid="8">
+                                            <p:txEl>
+                                              <p:pRg st="8" end="8"/>
+                                            </p:txEl>
+                                          </p:spTgt>
+                                        </p:tgtEl>
+                                        <p:attrNameLst>
+                                          <p:attrName>style.visibility</p:attrName>
+                                        </p:attrNameLst>
+                                      </p:cBhvr>
+                                      <p:to>
+                                        <p:strVal val="visible"/>
+                                      </p:to>
+                                    </p:set>
+                                    <p:anim calcmode="lin" valueType="num">
+                                      <p:cBhvr additive="base">
+                                        <p:cTn id="43" dur="500" fill="hold"/>
+                                        <p:tgtEl>
+                                          <p:spTgt spid="8">
+                                            <p:txEl>
+                                              <p:pRg st="8" end="8"/>
+                                            </p:txEl>
+                                          </p:spTgt>
+                                        </p:tgtEl>
+                                        <p:attrNameLst>
+                                          <p:attrName>ppt_x</p:attrName>
+                                        </p:attrNameLst>
+                                      </p:cBhvr>
+                                      <p:tavLst>
+                                        <p:tav tm="0">
+                                          <p:val>
+                                            <p:strVal val="#ppt_x"/>
+                                          </p:val>
+                                        </p:tav>
+                                        <p:tav tm="100000">
+                                          <p:val>
+                                            <p:strVal val="#ppt_x"/>
+                                          </p:val>
+                                        </p:tav>
+                                      </p:tavLst>
+                                    </p:anim>
+                                    <p:anim calcmode="lin" valueType="num">
+                                      <p:cBhvr additive="base">
+                                        <p:cTn id="44" dur="500" fill="hold"/>
+                                        <p:tgtEl>
+                                          <p:spTgt spid="8">
+                                            <p:txEl>
+                                              <p:pRg st="8" end="8"/>
+                                            </p:txEl>
+                                          </p:spTgt>
+                                        </p:tgtEl>
+                                        <p:attrNameLst>
+                                          <p:attrName>ppt_y</p:attrName>
+                                        </p:attrNameLst>
+                                      </p:cBhvr>
+                                      <p:tavLst>
+                                        <p:tav tm="0">
+                                          <p:val>
+                                            <p:strVal val="1+#ppt_h/2"/>
+                                          </p:val>
+                                        </p:tav>
+                                        <p:tav tm="100000">
+                                          <p:val>
+                                            <p:strVal val="#ppt_y"/>
+                                          </p:val>
+                                        </p:tav>
+                                      </p:tavLst>
+                                    </p:anim>
+                                  </p:childTnLst>
+                                </p:cTn>
+                              </p:par>
+                              <p:par>
+                                <p:cTn id="45" presetID="2" presetClass="entr" presetSubtype="4" fill="hold" grpId="0" nodeType="withEffect">
+                                  <p:stCondLst>
+                                    <p:cond delay="0"/>
+                                  </p:stCondLst>
+                                  <p:childTnLst>
+                                    <p:set>
+                                      <p:cBhvr>
+                                        <p:cTn id="46" dur="1" fill="hold">
+                                          <p:stCondLst>
+                                            <p:cond delay="0"/>
+                                          </p:stCondLst>
+                                        </p:cTn>
+                                        <p:tgtEl>
+                                          <p:spTgt spid="8">
+                                            <p:txEl>
+                                              <p:pRg st="9" end="9"/>
+                                            </p:txEl>
+                                          </p:spTgt>
+                                        </p:tgtEl>
+                                        <p:attrNameLst>
+                                          <p:attrName>style.visibility</p:attrName>
+                                        </p:attrNameLst>
+                                      </p:cBhvr>
+                                      <p:to>
+                                        <p:strVal val="visible"/>
+                                      </p:to>
+                                    </p:set>
+                                    <p:anim calcmode="lin" valueType="num">
+                                      <p:cBhvr additive="base">
+                                        <p:cTn id="47" dur="500" fill="hold"/>
+                                        <p:tgtEl>
+                                          <p:spTgt spid="8">
+                                            <p:txEl>
+                                              <p:pRg st="9" end="9"/>
+                                            </p:txEl>
+                                          </p:spTgt>
+                                        </p:tgtEl>
+                                        <p:attrNameLst>
+                                          <p:attrName>ppt_x</p:attrName>
+                                        </p:attrNameLst>
+                                      </p:cBhvr>
+                                      <p:tavLst>
+                                        <p:tav tm="0">
+                                          <p:val>
+                                            <p:strVal val="#ppt_x"/>
+                                          </p:val>
+                                        </p:tav>
+                                        <p:tav tm="100000">
+                                          <p:val>
+                                            <p:strVal val="#ppt_x"/>
+                                          </p:val>
+                                        </p:tav>
+                                      </p:tavLst>
+                                    </p:anim>
+                                    <p:anim calcmode="lin" valueType="num">
+                                      <p:cBhvr additive="base">
+                                        <p:cTn id="48" dur="500" fill="hold"/>
+                                        <p:tgtEl>
+                                          <p:spTgt spid="8">
+                                            <p:txEl>
+                                              <p:pRg st="9" end="9"/>
+                                            </p:txEl>
+                                          </p:spTgt>
+                                        </p:tgtEl>
+                                        <p:attrNameLst>
+                                          <p:attrName>ppt_y</p:attrName>
+                                        </p:attrNameLst>
+                                      </p:cBhvr>
+                                      <p:tavLst>
+                                        <p:tav tm="0">
+                                          <p:val>
+                                            <p:strVal val="1+#ppt_h/2"/>
+                                          </p:val>
+                                        </p:tav>
+                                        <p:tav tm="100000">
+                                          <p:val>
+                                            <p:strVal val="#ppt_y"/>
+                                          </p:val>
+                                        </p:tav>
+                                      </p:tavLst>
+                                    </p:anim>
+                                  </p:childTnLst>
+                                </p:cTn>
+                              </p:par>
+                              <p:par>
+                                <p:cTn id="49" presetID="2" presetClass="entr" presetSubtype="4" fill="hold" grpId="0" nodeType="withEffect">
+                                  <p:stCondLst>
+                                    <p:cond delay="0"/>
+                                  </p:stCondLst>
+                                  <p:childTnLst>
+                                    <p:set>
+                                      <p:cBhvr>
+                                        <p:cTn id="50" dur="1" fill="hold">
+                                          <p:stCondLst>
+                                            <p:cond delay="0"/>
+                                          </p:stCondLst>
+                                        </p:cTn>
+                                        <p:tgtEl>
+                                          <p:spTgt spid="8">
+                                            <p:txEl>
+                                              <p:pRg st="10" end="10"/>
+                                            </p:txEl>
+                                          </p:spTgt>
+                                        </p:tgtEl>
+                                        <p:attrNameLst>
+                                          <p:attrName>style.visibility</p:attrName>
+                                        </p:attrNameLst>
+                                      </p:cBhvr>
+                                      <p:to>
+                                        <p:strVal val="visible"/>
+                                      </p:to>
+                                    </p:set>
+                                    <p:anim calcmode="lin" valueType="num">
+                                      <p:cBhvr additive="base">
+                                        <p:cTn id="51" dur="500" fill="hold"/>
+                                        <p:tgtEl>
+                                          <p:spTgt spid="8">
+                                            <p:txEl>
+                                              <p:pRg st="10" end="10"/>
+                                            </p:txEl>
+                                          </p:spTgt>
+                                        </p:tgtEl>
+                                        <p:attrNameLst>
+                                          <p:attrName>ppt_x</p:attrName>
+                                        </p:attrNameLst>
+                                      </p:cBhvr>
+                                      <p:tavLst>
+                                        <p:tav tm="0">
+                                          <p:val>
+                                            <p:strVal val="#ppt_x"/>
+                                          </p:val>
+                                        </p:tav>
+                                        <p:tav tm="100000">
+                                          <p:val>
+                                            <p:strVal val="#ppt_x"/>
+                                          </p:val>
+                                        </p:tav>
+                                      </p:tavLst>
+                                    </p:anim>
+                                    <p:anim calcmode="lin" valueType="num">
+                                      <p:cBhvr additive="base">
+                                        <p:cTn id="52" dur="500" fill="hold"/>
+                                        <p:tgtEl>
+                                          <p:spTgt spid="8">
+                                            <p:txEl>
+                                              <p:pRg st="10" end="10"/>
+                                            </p:txEl>
+                                          </p:spTgt>
+                                        </p:tgtEl>
+                                        <p:attrNameLst>
+                                          <p:attrName>ppt_y</p:attrName>
+                                        </p:attrNameLst>
+                                      </p:cBhvr>
+                                      <p:tavLst>
+                                        <p:tav tm="0">
+                                          <p:val>
+                                            <p:strVal val="1+#ppt_h/2"/>
+                                          </p:val>
+                                        </p:tav>
+                                        <p:tav tm="100000">
+                                          <p:val>
+                                            <p:strVal val="#ppt_y"/>
+                                          </p:val>
+                                        </p:tav>
+                                      </p:tavLst>
+                                    </p:anim>
+                                  </p:childTnLst>
+                                </p:cTn>
+                              </p:par>
+                              <p:par>
+                                <p:cTn id="53" presetID="2" presetClass="entr" presetSubtype="4" fill="hold" grpId="0" nodeType="withEffect">
+                                  <p:stCondLst>
+                                    <p:cond delay="0"/>
+                                  </p:stCondLst>
+                                  <p:childTnLst>
+                                    <p:set>
+                                      <p:cBhvr>
+                                        <p:cTn id="54" dur="1" fill="hold">
+                                          <p:stCondLst>
+                                            <p:cond delay="0"/>
+                                          </p:stCondLst>
+                                        </p:cTn>
+                                        <p:tgtEl>
+                                          <p:spTgt spid="8">
+                                            <p:txEl>
+                                              <p:pRg st="11" end="11"/>
+                                            </p:txEl>
+                                          </p:spTgt>
+                                        </p:tgtEl>
+                                        <p:attrNameLst>
+                                          <p:attrName>style.visibility</p:attrName>
+                                        </p:attrNameLst>
+                                      </p:cBhvr>
+                                      <p:to>
+                                        <p:strVal val="visible"/>
+                                      </p:to>
+                                    </p:set>
+                                    <p:anim calcmode="lin" valueType="num">
+                                      <p:cBhvr additive="base">
+                                        <p:cTn id="55" dur="500" fill="hold"/>
+                                        <p:tgtEl>
+                                          <p:spTgt spid="8">
+                                            <p:txEl>
+                                              <p:pRg st="11" end="11"/>
+                                            </p:txEl>
+                                          </p:spTgt>
+                                        </p:tgtEl>
+                                        <p:attrNameLst>
+                                          <p:attrName>ppt_x</p:attrName>
+                                        </p:attrNameLst>
+                                      </p:cBhvr>
+                                      <p:tavLst>
+                                        <p:tav tm="0">
+                                          <p:val>
+                                            <p:strVal val="#ppt_x"/>
+                                          </p:val>
+                                        </p:tav>
+                                        <p:tav tm="100000">
+                                          <p:val>
+                                            <p:strVal val="#ppt_x"/>
+                                          </p:val>
+                                        </p:tav>
+                                      </p:tavLst>
+                                    </p:anim>
+                                    <p:anim calcmode="lin" valueType="num">
+                                      <p:cBhvr additive="base">
+                                        <p:cTn id="56" dur="500" fill="hold"/>
+                                        <p:tgtEl>
+                                          <p:spTgt spid="8">
+                                            <p:txEl>
+                                              <p:pRg st="11" end="11"/>
+                                            </p:txEl>
+                                          </p:spTgt>
+                                        </p:tgtEl>
+                                        <p:attrNameLst>
+                                          <p:attrName>ppt_y</p:attrName>
+                                        </p:attrNameLst>
+                                      </p:cBhvr>
+                                      <p:tavLst>
+                                        <p:tav tm="0">
+                                          <p:val>
+                                            <p:strVal val="1+#ppt_h/2"/>
+                                          </p:val>
+                                        </p:tav>
+                                        <p:tav tm="100000">
+                                          <p:val>
+                                            <p:strVal val="#ppt_y"/>
+                                          </p:val>
+                                        </p:tav>
+                                      </p:tavLst>
+                                    </p:anim>
+                                  </p:childTnLst>
+                                </p:cTn>
+                              </p:par>
+                            </p:childTnLst>
+                          </p:cTn>
+                        </p:par>
+                      </p:childTnLst>
+                    </p:cTn>
+                  </p:par>
+                </p:childTnLst>
+              </p:cTn>
+              <p:prevCondLst>
+                <p:cond evt="onPrev" delay="0">
+                  <p:tgtEl>
+                    <p:sldTgt/>
+                  </p:tgtEl>
+                </p:cond>
+              </p:prevCondLst>
+              <p:nextCondLst>
+                <p:cond evt="onNext" delay="0">
+                  <p:tgtEl>
+                    <p:sldTgt/>
+                  </p:tgtEl>
+                </p:cond>
+              </p:nextCondLst>
+            </p:seq>
+          </p:childTnLst>
+        </p:cTn>
+      </p:par>
+    </p:tnLst>
+    <p:bldLst>
+      <p:bldP spid="8" grpId="0" build="p"/>
+    </p:bldLst>
+  </p:timing>
 </p:sld>
 </file>
 
@@ -6883,6 +9806,670 @@
   <p:clrMapOvr>
     <a:masterClrMapping/>
   </p:clrMapOvr>
+  <p:timing>
+    <p:tnLst>
+      <p:par>
+        <p:cTn id="1" dur="indefinite" restart="never" nodeType="tmRoot">
+          <p:childTnLst>
+            <p:seq concurrent="1" nextAc="seek">
+              <p:cTn id="2" dur="indefinite" nodeType="mainSeq">
+                <p:childTnLst>
+                  <p:par>
+                    <p:cTn id="3" fill="hold">
+                      <p:stCondLst>
+                        <p:cond delay="indefinite"/>
+                      </p:stCondLst>
+                      <p:childTnLst>
+                        <p:par>
+                          <p:cTn id="4" fill="hold">
+                            <p:stCondLst>
+                              <p:cond delay="0"/>
+                            </p:stCondLst>
+                            <p:childTnLst>
+                              <p:par>
+                                <p:cTn id="5" presetID="2" presetClass="entr" presetSubtype="4" fill="hold" grpId="0" nodeType="clickEffect">
+                                  <p:stCondLst>
+                                    <p:cond delay="0"/>
+                                  </p:stCondLst>
+                                  <p:childTnLst>
+                                    <p:set>
+                                      <p:cBhvr>
+                                        <p:cTn id="6" dur="1" fill="hold">
+                                          <p:stCondLst>
+                                            <p:cond delay="0"/>
+                                          </p:stCondLst>
+                                        </p:cTn>
+                                        <p:tgtEl>
+                                          <p:spTgt spid="3">
+                                            <p:txEl>
+                                              <p:pRg st="0" end="0"/>
+                                            </p:txEl>
+                                          </p:spTgt>
+                                        </p:tgtEl>
+                                        <p:attrNameLst>
+                                          <p:attrName>style.visibility</p:attrName>
+                                        </p:attrNameLst>
+                                      </p:cBhvr>
+                                      <p:to>
+                                        <p:strVal val="visible"/>
+                                      </p:to>
+                                    </p:set>
+                                    <p:anim calcmode="lin" valueType="num">
+                                      <p:cBhvr additive="base">
+                                        <p:cTn id="7" dur="500" fill="hold"/>
+                                        <p:tgtEl>
+                                          <p:spTgt spid="3">
+                                            <p:txEl>
+                                              <p:pRg st="0" end="0"/>
+                                            </p:txEl>
+                                          </p:spTgt>
+                                        </p:tgtEl>
+                                        <p:attrNameLst>
+                                          <p:attrName>ppt_x</p:attrName>
+                                        </p:attrNameLst>
+                                      </p:cBhvr>
+                                      <p:tavLst>
+                                        <p:tav tm="0">
+                                          <p:val>
+                                            <p:strVal val="#ppt_x"/>
+                                          </p:val>
+                                        </p:tav>
+                                        <p:tav tm="100000">
+                                          <p:val>
+                                            <p:strVal val="#ppt_x"/>
+                                          </p:val>
+                                        </p:tav>
+                                      </p:tavLst>
+                                    </p:anim>
+                                    <p:anim calcmode="lin" valueType="num">
+                                      <p:cBhvr additive="base">
+                                        <p:cTn id="8" dur="500" fill="hold"/>
+                                        <p:tgtEl>
+                                          <p:spTgt spid="3">
+                                            <p:txEl>
+                                              <p:pRg st="0" end="0"/>
+                                            </p:txEl>
+                                          </p:spTgt>
+                                        </p:tgtEl>
+                                        <p:attrNameLst>
+                                          <p:attrName>ppt_y</p:attrName>
+                                        </p:attrNameLst>
+                                      </p:cBhvr>
+                                      <p:tavLst>
+                                        <p:tav tm="0">
+                                          <p:val>
+                                            <p:strVal val="1+#ppt_h/2"/>
+                                          </p:val>
+                                        </p:tav>
+                                        <p:tav tm="100000">
+                                          <p:val>
+                                            <p:strVal val="#ppt_y"/>
+                                          </p:val>
+                                        </p:tav>
+                                      </p:tavLst>
+                                    </p:anim>
+                                  </p:childTnLst>
+                                </p:cTn>
+                              </p:par>
+                              <p:par>
+                                <p:cTn id="9" presetID="2" presetClass="entr" presetSubtype="4" fill="hold" grpId="0" nodeType="withEffect">
+                                  <p:stCondLst>
+                                    <p:cond delay="0"/>
+                                  </p:stCondLst>
+                                  <p:childTnLst>
+                                    <p:set>
+                                      <p:cBhvr>
+                                        <p:cTn id="10" dur="1" fill="hold">
+                                          <p:stCondLst>
+                                            <p:cond delay="0"/>
+                                          </p:stCondLst>
+                                        </p:cTn>
+                                        <p:tgtEl>
+                                          <p:spTgt spid="3">
+                                            <p:txEl>
+                                              <p:pRg st="1" end="1"/>
+                                            </p:txEl>
+                                          </p:spTgt>
+                                        </p:tgtEl>
+                                        <p:attrNameLst>
+                                          <p:attrName>style.visibility</p:attrName>
+                                        </p:attrNameLst>
+                                      </p:cBhvr>
+                                      <p:to>
+                                        <p:strVal val="visible"/>
+                                      </p:to>
+                                    </p:set>
+                                    <p:anim calcmode="lin" valueType="num">
+                                      <p:cBhvr additive="base">
+                                        <p:cTn id="11" dur="500" fill="hold"/>
+                                        <p:tgtEl>
+                                          <p:spTgt spid="3">
+                                            <p:txEl>
+                                              <p:pRg st="1" end="1"/>
+                                            </p:txEl>
+                                          </p:spTgt>
+                                        </p:tgtEl>
+                                        <p:attrNameLst>
+                                          <p:attrName>ppt_x</p:attrName>
+                                        </p:attrNameLst>
+                                      </p:cBhvr>
+                                      <p:tavLst>
+                                        <p:tav tm="0">
+                                          <p:val>
+                                            <p:strVal val="#ppt_x"/>
+                                          </p:val>
+                                        </p:tav>
+                                        <p:tav tm="100000">
+                                          <p:val>
+                                            <p:strVal val="#ppt_x"/>
+                                          </p:val>
+                                        </p:tav>
+                                      </p:tavLst>
+                                    </p:anim>
+                                    <p:anim calcmode="lin" valueType="num">
+                                      <p:cBhvr additive="base">
+                                        <p:cTn id="12" dur="500" fill="hold"/>
+                                        <p:tgtEl>
+                                          <p:spTgt spid="3">
+                                            <p:txEl>
+                                              <p:pRg st="1" end="1"/>
+                                            </p:txEl>
+                                          </p:spTgt>
+                                        </p:tgtEl>
+                                        <p:attrNameLst>
+                                          <p:attrName>ppt_y</p:attrName>
+                                        </p:attrNameLst>
+                                      </p:cBhvr>
+                                      <p:tavLst>
+                                        <p:tav tm="0">
+                                          <p:val>
+                                            <p:strVal val="1+#ppt_h/2"/>
+                                          </p:val>
+                                        </p:tav>
+                                        <p:tav tm="100000">
+                                          <p:val>
+                                            <p:strVal val="#ppt_y"/>
+                                          </p:val>
+                                        </p:tav>
+                                      </p:tavLst>
+                                    </p:anim>
+                                  </p:childTnLst>
+                                </p:cTn>
+                              </p:par>
+                              <p:par>
+                                <p:cTn id="13" presetID="2" presetClass="entr" presetSubtype="4" fill="hold" grpId="0" nodeType="withEffect">
+                                  <p:stCondLst>
+                                    <p:cond delay="0"/>
+                                  </p:stCondLst>
+                                  <p:childTnLst>
+                                    <p:set>
+                                      <p:cBhvr>
+                                        <p:cTn id="14" dur="1" fill="hold">
+                                          <p:stCondLst>
+                                            <p:cond delay="0"/>
+                                          </p:stCondLst>
+                                        </p:cTn>
+                                        <p:tgtEl>
+                                          <p:spTgt spid="3">
+                                            <p:txEl>
+                                              <p:pRg st="2" end="2"/>
+                                            </p:txEl>
+                                          </p:spTgt>
+                                        </p:tgtEl>
+                                        <p:attrNameLst>
+                                          <p:attrName>style.visibility</p:attrName>
+                                        </p:attrNameLst>
+                                      </p:cBhvr>
+                                      <p:to>
+                                        <p:strVal val="visible"/>
+                                      </p:to>
+                                    </p:set>
+                                    <p:anim calcmode="lin" valueType="num">
+                                      <p:cBhvr additive="base">
+                                        <p:cTn id="15" dur="500" fill="hold"/>
+                                        <p:tgtEl>
+                                          <p:spTgt spid="3">
+                                            <p:txEl>
+                                              <p:pRg st="2" end="2"/>
+                                            </p:txEl>
+                                          </p:spTgt>
+                                        </p:tgtEl>
+                                        <p:attrNameLst>
+                                          <p:attrName>ppt_x</p:attrName>
+                                        </p:attrNameLst>
+                                      </p:cBhvr>
+                                      <p:tavLst>
+                                        <p:tav tm="0">
+                                          <p:val>
+                                            <p:strVal val="#ppt_x"/>
+                                          </p:val>
+                                        </p:tav>
+                                        <p:tav tm="100000">
+                                          <p:val>
+                                            <p:strVal val="#ppt_x"/>
+                                          </p:val>
+                                        </p:tav>
+                                      </p:tavLst>
+                                    </p:anim>
+                                    <p:anim calcmode="lin" valueType="num">
+                                      <p:cBhvr additive="base">
+                                        <p:cTn id="16" dur="500" fill="hold"/>
+                                        <p:tgtEl>
+                                          <p:spTgt spid="3">
+                                            <p:txEl>
+                                              <p:pRg st="2" end="2"/>
+                                            </p:txEl>
+                                          </p:spTgt>
+                                        </p:tgtEl>
+                                        <p:attrNameLst>
+                                          <p:attrName>ppt_y</p:attrName>
+                                        </p:attrNameLst>
+                                      </p:cBhvr>
+                                      <p:tavLst>
+                                        <p:tav tm="0">
+                                          <p:val>
+                                            <p:strVal val="1+#ppt_h/2"/>
+                                          </p:val>
+                                        </p:tav>
+                                        <p:tav tm="100000">
+                                          <p:val>
+                                            <p:strVal val="#ppt_y"/>
+                                          </p:val>
+                                        </p:tav>
+                                      </p:tavLst>
+                                    </p:anim>
+                                  </p:childTnLst>
+                                </p:cTn>
+                              </p:par>
+                              <p:par>
+                                <p:cTn id="17" presetID="2" presetClass="entr" presetSubtype="4" fill="hold" grpId="0" nodeType="withEffect">
+                                  <p:stCondLst>
+                                    <p:cond delay="0"/>
+                                  </p:stCondLst>
+                                  <p:childTnLst>
+                                    <p:set>
+                                      <p:cBhvr>
+                                        <p:cTn id="18" dur="1" fill="hold">
+                                          <p:stCondLst>
+                                            <p:cond delay="0"/>
+                                          </p:stCondLst>
+                                        </p:cTn>
+                                        <p:tgtEl>
+                                          <p:spTgt spid="3">
+                                            <p:txEl>
+                                              <p:pRg st="3" end="3"/>
+                                            </p:txEl>
+                                          </p:spTgt>
+                                        </p:tgtEl>
+                                        <p:attrNameLst>
+                                          <p:attrName>style.visibility</p:attrName>
+                                        </p:attrNameLst>
+                                      </p:cBhvr>
+                                      <p:to>
+                                        <p:strVal val="visible"/>
+                                      </p:to>
+                                    </p:set>
+                                    <p:anim calcmode="lin" valueType="num">
+                                      <p:cBhvr additive="base">
+                                        <p:cTn id="19" dur="500" fill="hold"/>
+                                        <p:tgtEl>
+                                          <p:spTgt spid="3">
+                                            <p:txEl>
+                                              <p:pRg st="3" end="3"/>
+                                            </p:txEl>
+                                          </p:spTgt>
+                                        </p:tgtEl>
+                                        <p:attrNameLst>
+                                          <p:attrName>ppt_x</p:attrName>
+                                        </p:attrNameLst>
+                                      </p:cBhvr>
+                                      <p:tavLst>
+                                        <p:tav tm="0">
+                                          <p:val>
+                                            <p:strVal val="#ppt_x"/>
+                                          </p:val>
+                                        </p:tav>
+                                        <p:tav tm="100000">
+                                          <p:val>
+                                            <p:strVal val="#ppt_x"/>
+                                          </p:val>
+                                        </p:tav>
+                                      </p:tavLst>
+                                    </p:anim>
+                                    <p:anim calcmode="lin" valueType="num">
+                                      <p:cBhvr additive="base">
+                                        <p:cTn id="20" dur="500" fill="hold"/>
+                                        <p:tgtEl>
+                                          <p:spTgt spid="3">
+                                            <p:txEl>
+                                              <p:pRg st="3" end="3"/>
+                                            </p:txEl>
+                                          </p:spTgt>
+                                        </p:tgtEl>
+                                        <p:attrNameLst>
+                                          <p:attrName>ppt_y</p:attrName>
+                                        </p:attrNameLst>
+                                      </p:cBhvr>
+                                      <p:tavLst>
+                                        <p:tav tm="0">
+                                          <p:val>
+                                            <p:strVal val="1+#ppt_h/2"/>
+                                          </p:val>
+                                        </p:tav>
+                                        <p:tav tm="100000">
+                                          <p:val>
+                                            <p:strVal val="#ppt_y"/>
+                                          </p:val>
+                                        </p:tav>
+                                      </p:tavLst>
+                                    </p:anim>
+                                  </p:childTnLst>
+                                </p:cTn>
+                              </p:par>
+                            </p:childTnLst>
+                          </p:cTn>
+                        </p:par>
+                      </p:childTnLst>
+                    </p:cTn>
+                  </p:par>
+                  <p:par>
+                    <p:cTn id="21" fill="hold">
+                      <p:stCondLst>
+                        <p:cond delay="indefinite"/>
+                      </p:stCondLst>
+                      <p:childTnLst>
+                        <p:par>
+                          <p:cTn id="22" fill="hold">
+                            <p:stCondLst>
+                              <p:cond delay="0"/>
+                            </p:stCondLst>
+                            <p:childTnLst>
+                              <p:par>
+                                <p:cTn id="23" presetID="2" presetClass="entr" presetSubtype="4" fill="hold" grpId="0" nodeType="clickEffect">
+                                  <p:stCondLst>
+                                    <p:cond delay="0"/>
+                                  </p:stCondLst>
+                                  <p:childTnLst>
+                                    <p:set>
+                                      <p:cBhvr>
+                                        <p:cTn id="24" dur="1" fill="hold">
+                                          <p:stCondLst>
+                                            <p:cond delay="0"/>
+                                          </p:stCondLst>
+                                        </p:cTn>
+                                        <p:tgtEl>
+                                          <p:spTgt spid="3">
+                                            <p:txEl>
+                                              <p:pRg st="4" end="4"/>
+                                            </p:txEl>
+                                          </p:spTgt>
+                                        </p:tgtEl>
+                                        <p:attrNameLst>
+                                          <p:attrName>style.visibility</p:attrName>
+                                        </p:attrNameLst>
+                                      </p:cBhvr>
+                                      <p:to>
+                                        <p:strVal val="visible"/>
+                                      </p:to>
+                                    </p:set>
+                                    <p:anim calcmode="lin" valueType="num">
+                                      <p:cBhvr additive="base">
+                                        <p:cTn id="25" dur="500" fill="hold"/>
+                                        <p:tgtEl>
+                                          <p:spTgt spid="3">
+                                            <p:txEl>
+                                              <p:pRg st="4" end="4"/>
+                                            </p:txEl>
+                                          </p:spTgt>
+                                        </p:tgtEl>
+                                        <p:attrNameLst>
+                                          <p:attrName>ppt_x</p:attrName>
+                                        </p:attrNameLst>
+                                      </p:cBhvr>
+                                      <p:tavLst>
+                                        <p:tav tm="0">
+                                          <p:val>
+                                            <p:strVal val="#ppt_x"/>
+                                          </p:val>
+                                        </p:tav>
+                                        <p:tav tm="100000">
+                                          <p:val>
+                                            <p:strVal val="#ppt_x"/>
+                                          </p:val>
+                                        </p:tav>
+                                      </p:tavLst>
+                                    </p:anim>
+                                    <p:anim calcmode="lin" valueType="num">
+                                      <p:cBhvr additive="base">
+                                        <p:cTn id="26" dur="500" fill="hold"/>
+                                        <p:tgtEl>
+                                          <p:spTgt spid="3">
+                                            <p:txEl>
+                                              <p:pRg st="4" end="4"/>
+                                            </p:txEl>
+                                          </p:spTgt>
+                                        </p:tgtEl>
+                                        <p:attrNameLst>
+                                          <p:attrName>ppt_y</p:attrName>
+                                        </p:attrNameLst>
+                                      </p:cBhvr>
+                                      <p:tavLst>
+                                        <p:tav tm="0">
+                                          <p:val>
+                                            <p:strVal val="1+#ppt_h/2"/>
+                                          </p:val>
+                                        </p:tav>
+                                        <p:tav tm="100000">
+                                          <p:val>
+                                            <p:strVal val="#ppt_y"/>
+                                          </p:val>
+                                        </p:tav>
+                                      </p:tavLst>
+                                    </p:anim>
+                                  </p:childTnLst>
+                                </p:cTn>
+                              </p:par>
+                              <p:par>
+                                <p:cTn id="27" presetID="2" presetClass="entr" presetSubtype="4" fill="hold" grpId="0" nodeType="withEffect">
+                                  <p:stCondLst>
+                                    <p:cond delay="0"/>
+                                  </p:stCondLst>
+                                  <p:childTnLst>
+                                    <p:set>
+                                      <p:cBhvr>
+                                        <p:cTn id="28" dur="1" fill="hold">
+                                          <p:stCondLst>
+                                            <p:cond delay="0"/>
+                                          </p:stCondLst>
+                                        </p:cTn>
+                                        <p:tgtEl>
+                                          <p:spTgt spid="3">
+                                            <p:txEl>
+                                              <p:pRg st="5" end="5"/>
+                                            </p:txEl>
+                                          </p:spTgt>
+                                        </p:tgtEl>
+                                        <p:attrNameLst>
+                                          <p:attrName>style.visibility</p:attrName>
+                                        </p:attrNameLst>
+                                      </p:cBhvr>
+                                      <p:to>
+                                        <p:strVal val="visible"/>
+                                      </p:to>
+                                    </p:set>
+                                    <p:anim calcmode="lin" valueType="num">
+                                      <p:cBhvr additive="base">
+                                        <p:cTn id="29" dur="500" fill="hold"/>
+                                        <p:tgtEl>
+                                          <p:spTgt spid="3">
+                                            <p:txEl>
+                                              <p:pRg st="5" end="5"/>
+                                            </p:txEl>
+                                          </p:spTgt>
+                                        </p:tgtEl>
+                                        <p:attrNameLst>
+                                          <p:attrName>ppt_x</p:attrName>
+                                        </p:attrNameLst>
+                                      </p:cBhvr>
+                                      <p:tavLst>
+                                        <p:tav tm="0">
+                                          <p:val>
+                                            <p:strVal val="#ppt_x"/>
+                                          </p:val>
+                                        </p:tav>
+                                        <p:tav tm="100000">
+                                          <p:val>
+                                            <p:strVal val="#ppt_x"/>
+                                          </p:val>
+                                        </p:tav>
+                                      </p:tavLst>
+                                    </p:anim>
+                                    <p:anim calcmode="lin" valueType="num">
+                                      <p:cBhvr additive="base">
+                                        <p:cTn id="30" dur="500" fill="hold"/>
+                                        <p:tgtEl>
+                                          <p:spTgt spid="3">
+                                            <p:txEl>
+                                              <p:pRg st="5" end="5"/>
+                                            </p:txEl>
+                                          </p:spTgt>
+                                        </p:tgtEl>
+                                        <p:attrNameLst>
+                                          <p:attrName>ppt_y</p:attrName>
+                                        </p:attrNameLst>
+                                      </p:cBhvr>
+                                      <p:tavLst>
+                                        <p:tav tm="0">
+                                          <p:val>
+                                            <p:strVal val="1+#ppt_h/2"/>
+                                          </p:val>
+                                        </p:tav>
+                                        <p:tav tm="100000">
+                                          <p:val>
+                                            <p:strVal val="#ppt_y"/>
+                                          </p:val>
+                                        </p:tav>
+                                      </p:tavLst>
+                                    </p:anim>
+                                  </p:childTnLst>
+                                </p:cTn>
+                              </p:par>
+                              <p:par>
+                                <p:cTn id="31" presetID="2" presetClass="entr" presetSubtype="4" fill="hold" grpId="0" nodeType="withEffect">
+                                  <p:stCondLst>
+                                    <p:cond delay="0"/>
+                                  </p:stCondLst>
+                                  <p:childTnLst>
+                                    <p:set>
+                                      <p:cBhvr>
+                                        <p:cTn id="32" dur="1" fill="hold">
+                                          <p:stCondLst>
+                                            <p:cond delay="0"/>
+                                          </p:stCondLst>
+                                        </p:cTn>
+                                        <p:tgtEl>
+                                          <p:spTgt spid="3">
+                                            <p:txEl>
+                                              <p:pRg st="6" end="6"/>
+                                            </p:txEl>
+                                          </p:spTgt>
+                                        </p:tgtEl>
+                                        <p:attrNameLst>
+                                          <p:attrName>style.visibility</p:attrName>
+                                        </p:attrNameLst>
+                                      </p:cBhvr>
+                                      <p:to>
+                                        <p:strVal val="visible"/>
+                                      </p:to>
+                                    </p:set>
+                                    <p:anim calcmode="lin" valueType="num">
+                                      <p:cBhvr additive="base">
+                                        <p:cTn id="33" dur="500" fill="hold"/>
+                                        <p:tgtEl>
+                                          <p:spTgt spid="3">
+                                            <p:txEl>
+                                              <p:pRg st="6" end="6"/>
+                                            </p:txEl>
+                                          </p:spTgt>
+                                        </p:tgtEl>
+                                        <p:attrNameLst>
+                                          <p:attrName>ppt_x</p:attrName>
+                                        </p:attrNameLst>
+                                      </p:cBhvr>
+                                      <p:tavLst>
+                                        <p:tav tm="0">
+                                          <p:val>
+                                            <p:strVal val="#ppt_x"/>
+                                          </p:val>
+                                        </p:tav>
+                                        <p:tav tm="100000">
+                                          <p:val>
+                                            <p:strVal val="#ppt_x"/>
+                                          </p:val>
+                                        </p:tav>
+                                      </p:tavLst>
+                                    </p:anim>
+                                    <p:anim calcmode="lin" valueType="num">
+                                      <p:cBhvr additive="base">
+                                        <p:cTn id="34" dur="500" fill="hold"/>
+                                        <p:tgtEl>
+                                          <p:spTgt spid="3">
+                                            <p:txEl>
+                                              <p:pRg st="6" end="6"/>
+                                            </p:txEl>
+                                          </p:spTgt>
+                                        </p:tgtEl>
+                                        <p:attrNameLst>
+                                          <p:attrName>ppt_y</p:attrName>
+                                        </p:attrNameLst>
+                                      </p:cBhvr>
+                                      <p:tavLst>
+                                        <p:tav tm="0">
+                                          <p:val>
+                                            <p:strVal val="1+#ppt_h/2"/>
+                                          </p:val>
+                                        </p:tav>
+                                        <p:tav tm="100000">
+                                          <p:val>
+                                            <p:strVal val="#ppt_y"/>
+                                          </p:val>
+                                        </p:tav>
+                                      </p:tavLst>
+                                    </p:anim>
+                                  </p:childTnLst>
+                                </p:cTn>
+                              </p:par>
+                            </p:childTnLst>
+                          </p:cTn>
+                        </p:par>
+                      </p:childTnLst>
+                    </p:cTn>
+                  </p:par>
+                </p:childTnLst>
+              </p:cTn>
+              <p:prevCondLst>
+                <p:cond evt="onPrev" delay="0">
+                  <p:tgtEl>
+                    <p:sldTgt/>
+                  </p:tgtEl>
+                </p:cond>
+              </p:prevCondLst>
+              <p:nextCondLst>
+                <p:cond evt="onNext" delay="0">
+                  <p:tgtEl>
+                    <p:sldTgt/>
+                  </p:tgtEl>
+                </p:cond>
+              </p:nextCondLst>
+            </p:seq>
+          </p:childTnLst>
+        </p:cTn>
+      </p:par>
+    </p:tnLst>
+    <p:bldLst>
+      <p:bldP spid="3" grpId="0" build="p"/>
+    </p:bldLst>
+  </p:timing>
 </p:sld>
 </file>
 
@@ -7116,15 +10703,7 @@
             </a:r>
             <a:r>
               <a:rPr lang="en-US" sz="1200" dirty="0"/>
-              <a:t>(</a:t>
-            </a:r>
-            <a:r>
-              <a:rPr lang="en-US" sz="1200" dirty="0"/>
-              <a:t>"Enter Location: "</a:t>
-            </a:r>
-            <a:r>
-              <a:rPr lang="en-US" sz="1200" dirty="0"/>
-              <a:t>)</a:t>
+              <a:t>("Enter Location: ")</a:t>
             </a:r>
             <a:br>
               <a:rPr lang="en-US" sz="1200" dirty="0"/>
@@ -7135,11 +10714,7 @@
             </a:r>
             <a:r>
               <a:rPr lang="en-US" sz="1200" dirty="0"/>
-              <a:t> = </a:t>
-            </a:r>
-            <a:r>
-              <a:rPr lang="en-US" sz="1200" dirty="0"/>
-              <a:t>"http://python-</a:t>
+              <a:t> = "http://python-</a:t>
             </a:r>
             <a:r>
               <a:rPr lang="en-US" sz="1200" dirty="0" err="1"/>
@@ -7197,23 +10772,7 @@
             </a:r>
             <a:r>
               <a:rPr lang="en-US" sz="1200" dirty="0"/>
-              <a:t>({</a:t>
-            </a:r>
-            <a:r>
-              <a:rPr lang="en-US" sz="1200" dirty="0"/>
-              <a:t>"sensor"</a:t>
-            </a:r>
-            <a:r>
-              <a:rPr lang="en-US" sz="1200" dirty="0"/>
-              <a:t>: </a:t>
-            </a:r>
-            <a:r>
-              <a:rPr lang="en-US" sz="1200" dirty="0"/>
-              <a:t>"false", "address"</a:t>
-            </a:r>
-            <a:r>
-              <a:rPr lang="en-US" sz="1200" dirty="0"/>
-              <a:t>: address})</a:t>
+              <a:t>({"sensor": "false", "address": address})</a:t>
             </a:r>
             <a:br>
               <a:rPr lang="en-US" sz="1200" dirty="0"/>
@@ -7266,11 +10825,7 @@
             </a:r>
             <a:r>
               <a:rPr lang="en-US" sz="1200" dirty="0"/>
-              <a:t>: response = </a:t>
-            </a:r>
-            <a:r>
-              <a:rPr lang="en-US" sz="1200" dirty="0"/>
-              <a:t>None</a:t>
+              <a:t>: response = None</a:t>
             </a:r>
             <a:br>
               <a:rPr lang="en-US" sz="1200" dirty="0"/>
@@ -7308,23 +10863,7 @@
             </a:r>
             <a:r>
               <a:rPr lang="en-US" sz="1200" dirty="0"/>
-              <a:t>(</a:t>
-            </a:r>
-            <a:r>
-              <a:rPr lang="en-US" sz="1200" dirty="0"/>
-              <a:t>"status"</a:t>
-            </a:r>
-            <a:r>
-              <a:rPr lang="en-US" sz="1200" dirty="0"/>
-              <a:t>) != </a:t>
-            </a:r>
-            <a:r>
-              <a:rPr lang="en-US" sz="1200" dirty="0"/>
-              <a:t>"OK"</a:t>
-            </a:r>
-            <a:r>
-              <a:rPr lang="en-US" sz="1200" dirty="0"/>
-              <a:t>:</a:t>
+              <a:t>("status") != "OK":</a:t>
             </a:r>
             <a:br>
               <a:rPr lang="en-US" sz="1200" dirty="0"/>
@@ -7339,15 +10878,7 @@
             </a:r>
             <a:r>
               <a:rPr lang="en-US" sz="1200" dirty="0"/>
-              <a:t>(</a:t>
-            </a:r>
-            <a:r>
-              <a:rPr lang="en-US" sz="1200" dirty="0"/>
-              <a:t>"Failed to obtain information from service"</a:t>
-            </a:r>
-            <a:r>
-              <a:rPr lang="en-US" sz="1200" dirty="0"/>
-              <a:t>)</a:t>
+              <a:t>("Failed to obtain information from service")</a:t>
             </a:r>
             <a:br>
               <a:rPr lang="en-US" sz="1200" dirty="0"/>
@@ -7373,35 +10904,7 @@
             </a:r>
             <a:r>
               <a:rPr lang="en-US" sz="1200" dirty="0"/>
-              <a:t>(</a:t>
-            </a:r>
-            <a:r>
-              <a:rPr lang="en-US" sz="1200" dirty="0"/>
-              <a:t>"Address:  %s" </a:t>
-            </a:r>
-            <a:r>
-              <a:rPr lang="en-US" sz="1200" dirty="0"/>
-              <a:t>% response[</a:t>
-            </a:r>
-            <a:r>
-              <a:rPr lang="en-US" sz="1200" dirty="0"/>
-              <a:t>"results"</a:t>
-            </a:r>
-            <a:r>
-              <a:rPr lang="en-US" sz="1200" dirty="0"/>
-              <a:t>][</a:t>
-            </a:r>
-            <a:r>
-              <a:rPr lang="en-US" sz="1200" dirty="0"/>
-              <a:t>0</a:t>
-            </a:r>
-            <a:r>
-              <a:rPr lang="en-US" sz="1200" dirty="0"/>
-              <a:t>][</a:t>
-            </a:r>
-            <a:r>
-              <a:rPr lang="en-US" sz="1200" dirty="0"/>
-              <a:t>"</a:t>
+              <a:t>("Address:  %s" % response["results"][0]["</a:t>
             </a:r>
             <a:r>
               <a:rPr lang="en-US" sz="1200" dirty="0" err="1"/>
@@ -7409,11 +10912,7 @@
             </a:r>
             <a:r>
               <a:rPr lang="en-US" sz="1200" dirty="0"/>
-              <a:t>"</a:t>
-            </a:r>
-            <a:r>
-              <a:rPr lang="en-US" sz="1200" dirty="0"/>
-              <a:t>])</a:t>
+              <a:t>"])</a:t>
             </a:r>
             <a:br>
               <a:rPr lang="en-US" sz="1200" dirty="0"/>
@@ -7432,6 +10931,496 @@
   <p:clrMapOvr>
     <a:masterClrMapping/>
   </p:clrMapOvr>
+  <p:timing>
+    <p:tnLst>
+      <p:par>
+        <p:cTn id="1" dur="indefinite" restart="never" nodeType="tmRoot">
+          <p:childTnLst>
+            <p:seq concurrent="1" nextAc="seek">
+              <p:cTn id="2" dur="indefinite" nodeType="mainSeq">
+                <p:childTnLst>
+                  <p:par>
+                    <p:cTn id="3" fill="hold">
+                      <p:stCondLst>
+                        <p:cond delay="indefinite"/>
+                      </p:stCondLst>
+                      <p:childTnLst>
+                        <p:par>
+                          <p:cTn id="4" fill="hold">
+                            <p:stCondLst>
+                              <p:cond delay="0"/>
+                            </p:stCondLst>
+                            <p:childTnLst>
+                              <p:par>
+                                <p:cTn id="5" presetID="12" presetClass="entr" presetSubtype="4" fill="hold" grpId="0" nodeType="clickEffect">
+                                  <p:stCondLst>
+                                    <p:cond delay="0"/>
+                                  </p:stCondLst>
+                                  <p:childTnLst>
+                                    <p:set>
+                                      <p:cBhvr>
+                                        <p:cTn id="6" dur="1" fill="hold">
+                                          <p:stCondLst>
+                                            <p:cond delay="0"/>
+                                          </p:stCondLst>
+                                        </p:cTn>
+                                        <p:tgtEl>
+                                          <p:spTgt spid="6">
+                                            <p:txEl>
+                                              <p:pRg st="0" end="0"/>
+                                            </p:txEl>
+                                          </p:spTgt>
+                                        </p:tgtEl>
+                                        <p:attrNameLst>
+                                          <p:attrName>style.visibility</p:attrName>
+                                        </p:attrNameLst>
+                                      </p:cBhvr>
+                                      <p:to>
+                                        <p:strVal val="visible"/>
+                                      </p:to>
+                                    </p:set>
+                                    <p:anim calcmode="lin" valueType="num">
+                                      <p:cBhvr additive="base">
+                                        <p:cTn id="7" dur="500"/>
+                                        <p:tgtEl>
+                                          <p:spTgt spid="6">
+                                            <p:txEl>
+                                              <p:pRg st="0" end="0"/>
+                                            </p:txEl>
+                                          </p:spTgt>
+                                        </p:tgtEl>
+                                        <p:attrNameLst>
+                                          <p:attrName>ppt_y</p:attrName>
+                                        </p:attrNameLst>
+                                      </p:cBhvr>
+                                      <p:tavLst>
+                                        <p:tav tm="0">
+                                          <p:val>
+                                            <p:strVal val="#ppt_y+#ppt_h*1.125000"/>
+                                          </p:val>
+                                        </p:tav>
+                                        <p:tav tm="100000">
+                                          <p:val>
+                                            <p:strVal val="#ppt_y"/>
+                                          </p:val>
+                                        </p:tav>
+                                      </p:tavLst>
+                                    </p:anim>
+                                    <p:animEffect transition="in" filter="wipe(up)">
+                                      <p:cBhvr>
+                                        <p:cTn id="8" dur="500"/>
+                                        <p:tgtEl>
+                                          <p:spTgt spid="6">
+                                            <p:txEl>
+                                              <p:pRg st="0" end="0"/>
+                                            </p:txEl>
+                                          </p:spTgt>
+                                        </p:tgtEl>
+                                      </p:cBhvr>
+                                    </p:animEffect>
+                                  </p:childTnLst>
+                                </p:cTn>
+                              </p:par>
+                              <p:par>
+                                <p:cTn id="9" presetID="12" presetClass="entr" presetSubtype="4" fill="hold" grpId="0" nodeType="withEffect">
+                                  <p:stCondLst>
+                                    <p:cond delay="0"/>
+                                  </p:stCondLst>
+                                  <p:childTnLst>
+                                    <p:set>
+                                      <p:cBhvr>
+                                        <p:cTn id="10" dur="1" fill="hold">
+                                          <p:stCondLst>
+                                            <p:cond delay="0"/>
+                                          </p:stCondLst>
+                                        </p:cTn>
+                                        <p:tgtEl>
+                                          <p:spTgt spid="6">
+                                            <p:txEl>
+                                              <p:pRg st="1" end="1"/>
+                                            </p:txEl>
+                                          </p:spTgt>
+                                        </p:tgtEl>
+                                        <p:attrNameLst>
+                                          <p:attrName>style.visibility</p:attrName>
+                                        </p:attrNameLst>
+                                      </p:cBhvr>
+                                      <p:to>
+                                        <p:strVal val="visible"/>
+                                      </p:to>
+                                    </p:set>
+                                    <p:anim calcmode="lin" valueType="num">
+                                      <p:cBhvr additive="base">
+                                        <p:cTn id="11" dur="500"/>
+                                        <p:tgtEl>
+                                          <p:spTgt spid="6">
+                                            <p:txEl>
+                                              <p:pRg st="1" end="1"/>
+                                            </p:txEl>
+                                          </p:spTgt>
+                                        </p:tgtEl>
+                                        <p:attrNameLst>
+                                          <p:attrName>ppt_y</p:attrName>
+                                        </p:attrNameLst>
+                                      </p:cBhvr>
+                                      <p:tavLst>
+                                        <p:tav tm="0">
+                                          <p:val>
+                                            <p:strVal val="#ppt_y+#ppt_h*1.125000"/>
+                                          </p:val>
+                                        </p:tav>
+                                        <p:tav tm="100000">
+                                          <p:val>
+                                            <p:strVal val="#ppt_y"/>
+                                          </p:val>
+                                        </p:tav>
+                                      </p:tavLst>
+                                    </p:anim>
+                                    <p:animEffect transition="in" filter="wipe(up)">
+                                      <p:cBhvr>
+                                        <p:cTn id="12" dur="500"/>
+                                        <p:tgtEl>
+                                          <p:spTgt spid="6">
+                                            <p:txEl>
+                                              <p:pRg st="1" end="1"/>
+                                            </p:txEl>
+                                          </p:spTgt>
+                                        </p:tgtEl>
+                                      </p:cBhvr>
+                                    </p:animEffect>
+                                  </p:childTnLst>
+                                </p:cTn>
+                              </p:par>
+                              <p:par>
+                                <p:cTn id="13" presetID="12" presetClass="entr" presetSubtype="4" fill="hold" grpId="0" nodeType="withEffect">
+                                  <p:stCondLst>
+                                    <p:cond delay="0"/>
+                                  </p:stCondLst>
+                                  <p:childTnLst>
+                                    <p:set>
+                                      <p:cBhvr>
+                                        <p:cTn id="14" dur="1" fill="hold">
+                                          <p:stCondLst>
+                                            <p:cond delay="0"/>
+                                          </p:stCondLst>
+                                        </p:cTn>
+                                        <p:tgtEl>
+                                          <p:spTgt spid="6">
+                                            <p:txEl>
+                                              <p:pRg st="2" end="2"/>
+                                            </p:txEl>
+                                          </p:spTgt>
+                                        </p:tgtEl>
+                                        <p:attrNameLst>
+                                          <p:attrName>style.visibility</p:attrName>
+                                        </p:attrNameLst>
+                                      </p:cBhvr>
+                                      <p:to>
+                                        <p:strVal val="visible"/>
+                                      </p:to>
+                                    </p:set>
+                                    <p:anim calcmode="lin" valueType="num">
+                                      <p:cBhvr additive="base">
+                                        <p:cTn id="15" dur="500"/>
+                                        <p:tgtEl>
+                                          <p:spTgt spid="6">
+                                            <p:txEl>
+                                              <p:pRg st="2" end="2"/>
+                                            </p:txEl>
+                                          </p:spTgt>
+                                        </p:tgtEl>
+                                        <p:attrNameLst>
+                                          <p:attrName>ppt_y</p:attrName>
+                                        </p:attrNameLst>
+                                      </p:cBhvr>
+                                      <p:tavLst>
+                                        <p:tav tm="0">
+                                          <p:val>
+                                            <p:strVal val="#ppt_y+#ppt_h*1.125000"/>
+                                          </p:val>
+                                        </p:tav>
+                                        <p:tav tm="100000">
+                                          <p:val>
+                                            <p:strVal val="#ppt_y"/>
+                                          </p:val>
+                                        </p:tav>
+                                      </p:tavLst>
+                                    </p:anim>
+                                    <p:animEffect transition="in" filter="wipe(up)">
+                                      <p:cBhvr>
+                                        <p:cTn id="16" dur="500"/>
+                                        <p:tgtEl>
+                                          <p:spTgt spid="6">
+                                            <p:txEl>
+                                              <p:pRg st="2" end="2"/>
+                                            </p:txEl>
+                                          </p:spTgt>
+                                        </p:tgtEl>
+                                      </p:cBhvr>
+                                    </p:animEffect>
+                                  </p:childTnLst>
+                                </p:cTn>
+                              </p:par>
+                              <p:par>
+                                <p:cTn id="17" presetID="12" presetClass="entr" presetSubtype="4" fill="hold" grpId="0" nodeType="withEffect">
+                                  <p:stCondLst>
+                                    <p:cond delay="0"/>
+                                  </p:stCondLst>
+                                  <p:childTnLst>
+                                    <p:set>
+                                      <p:cBhvr>
+                                        <p:cTn id="18" dur="1" fill="hold">
+                                          <p:stCondLst>
+                                            <p:cond delay="0"/>
+                                          </p:stCondLst>
+                                        </p:cTn>
+                                        <p:tgtEl>
+                                          <p:spTgt spid="6">
+                                            <p:txEl>
+                                              <p:pRg st="3" end="3"/>
+                                            </p:txEl>
+                                          </p:spTgt>
+                                        </p:tgtEl>
+                                        <p:attrNameLst>
+                                          <p:attrName>style.visibility</p:attrName>
+                                        </p:attrNameLst>
+                                      </p:cBhvr>
+                                      <p:to>
+                                        <p:strVal val="visible"/>
+                                      </p:to>
+                                    </p:set>
+                                    <p:anim calcmode="lin" valueType="num">
+                                      <p:cBhvr additive="base">
+                                        <p:cTn id="19" dur="500"/>
+                                        <p:tgtEl>
+                                          <p:spTgt spid="6">
+                                            <p:txEl>
+                                              <p:pRg st="3" end="3"/>
+                                            </p:txEl>
+                                          </p:spTgt>
+                                        </p:tgtEl>
+                                        <p:attrNameLst>
+                                          <p:attrName>ppt_y</p:attrName>
+                                        </p:attrNameLst>
+                                      </p:cBhvr>
+                                      <p:tavLst>
+                                        <p:tav tm="0">
+                                          <p:val>
+                                            <p:strVal val="#ppt_y+#ppt_h*1.125000"/>
+                                          </p:val>
+                                        </p:tav>
+                                        <p:tav tm="100000">
+                                          <p:val>
+                                            <p:strVal val="#ppt_y"/>
+                                          </p:val>
+                                        </p:tav>
+                                      </p:tavLst>
+                                    </p:anim>
+                                    <p:animEffect transition="in" filter="wipe(up)">
+                                      <p:cBhvr>
+                                        <p:cTn id="20" dur="500"/>
+                                        <p:tgtEl>
+                                          <p:spTgt spid="6">
+                                            <p:txEl>
+                                              <p:pRg st="3" end="3"/>
+                                            </p:txEl>
+                                          </p:spTgt>
+                                        </p:tgtEl>
+                                      </p:cBhvr>
+                                    </p:animEffect>
+                                  </p:childTnLst>
+                                </p:cTn>
+                              </p:par>
+                              <p:par>
+                                <p:cTn id="21" presetID="12" presetClass="entr" presetSubtype="4" fill="hold" grpId="0" nodeType="withEffect">
+                                  <p:stCondLst>
+                                    <p:cond delay="0"/>
+                                  </p:stCondLst>
+                                  <p:childTnLst>
+                                    <p:set>
+                                      <p:cBhvr>
+                                        <p:cTn id="22" dur="1" fill="hold">
+                                          <p:stCondLst>
+                                            <p:cond delay="0"/>
+                                          </p:stCondLst>
+                                        </p:cTn>
+                                        <p:tgtEl>
+                                          <p:spTgt spid="6">
+                                            <p:txEl>
+                                              <p:pRg st="4" end="4"/>
+                                            </p:txEl>
+                                          </p:spTgt>
+                                        </p:tgtEl>
+                                        <p:attrNameLst>
+                                          <p:attrName>style.visibility</p:attrName>
+                                        </p:attrNameLst>
+                                      </p:cBhvr>
+                                      <p:to>
+                                        <p:strVal val="visible"/>
+                                      </p:to>
+                                    </p:set>
+                                    <p:anim calcmode="lin" valueType="num">
+                                      <p:cBhvr additive="base">
+                                        <p:cTn id="23" dur="500"/>
+                                        <p:tgtEl>
+                                          <p:spTgt spid="6">
+                                            <p:txEl>
+                                              <p:pRg st="4" end="4"/>
+                                            </p:txEl>
+                                          </p:spTgt>
+                                        </p:tgtEl>
+                                        <p:attrNameLst>
+                                          <p:attrName>ppt_y</p:attrName>
+                                        </p:attrNameLst>
+                                      </p:cBhvr>
+                                      <p:tavLst>
+                                        <p:tav tm="0">
+                                          <p:val>
+                                            <p:strVal val="#ppt_y+#ppt_h*1.125000"/>
+                                          </p:val>
+                                        </p:tav>
+                                        <p:tav tm="100000">
+                                          <p:val>
+                                            <p:strVal val="#ppt_y"/>
+                                          </p:val>
+                                        </p:tav>
+                                      </p:tavLst>
+                                    </p:anim>
+                                    <p:animEffect transition="in" filter="wipe(up)">
+                                      <p:cBhvr>
+                                        <p:cTn id="24" dur="500"/>
+                                        <p:tgtEl>
+                                          <p:spTgt spid="6">
+                                            <p:txEl>
+                                              <p:pRg st="4" end="4"/>
+                                            </p:txEl>
+                                          </p:spTgt>
+                                        </p:tgtEl>
+                                      </p:cBhvr>
+                                    </p:animEffect>
+                                  </p:childTnLst>
+                                </p:cTn>
+                              </p:par>
+                            </p:childTnLst>
+                          </p:cTn>
+                        </p:par>
+                      </p:childTnLst>
+                    </p:cTn>
+                  </p:par>
+                  <p:par>
+                    <p:cTn id="25" fill="hold">
+                      <p:stCondLst>
+                        <p:cond delay="indefinite"/>
+                      </p:stCondLst>
+                      <p:childTnLst>
+                        <p:par>
+                          <p:cTn id="26" fill="hold">
+                            <p:stCondLst>
+                              <p:cond delay="0"/>
+                            </p:stCondLst>
+                            <p:childTnLst>
+                              <p:par>
+                                <p:cTn id="27" presetID="12" presetClass="entr" presetSubtype="4" fill="hold" grpId="0" nodeType="clickEffect">
+                                  <p:stCondLst>
+                                    <p:cond delay="0"/>
+                                  </p:stCondLst>
+                                  <p:childTnLst>
+                                    <p:set>
+                                      <p:cBhvr>
+                                        <p:cTn id="28" dur="1" fill="hold">
+                                          <p:stCondLst>
+                                            <p:cond delay="0"/>
+                                          </p:stCondLst>
+                                        </p:cTn>
+                                        <p:tgtEl>
+                                          <p:spTgt spid="8">
+                                            <p:txEl>
+                                              <p:pRg st="0" end="0"/>
+                                            </p:txEl>
+                                          </p:spTgt>
+                                        </p:tgtEl>
+                                        <p:attrNameLst>
+                                          <p:attrName>style.visibility</p:attrName>
+                                        </p:attrNameLst>
+                                      </p:cBhvr>
+                                      <p:to>
+                                        <p:strVal val="visible"/>
+                                      </p:to>
+                                    </p:set>
+                                    <p:anim calcmode="lin" valueType="num">
+                                      <p:cBhvr additive="base">
+                                        <p:cTn id="29" dur="500"/>
+                                        <p:tgtEl>
+                                          <p:spTgt spid="8">
+                                            <p:txEl>
+                                              <p:pRg st="0" end="0"/>
+                                            </p:txEl>
+                                          </p:spTgt>
+                                        </p:tgtEl>
+                                        <p:attrNameLst>
+                                          <p:attrName>ppt_y</p:attrName>
+                                        </p:attrNameLst>
+                                      </p:cBhvr>
+                                      <p:tavLst>
+                                        <p:tav tm="0">
+                                          <p:val>
+                                            <p:strVal val="#ppt_y+#ppt_h*1.125000"/>
+                                          </p:val>
+                                        </p:tav>
+                                        <p:tav tm="100000">
+                                          <p:val>
+                                            <p:strVal val="#ppt_y"/>
+                                          </p:val>
+                                        </p:tav>
+                                      </p:tavLst>
+                                    </p:anim>
+                                    <p:animEffect transition="in" filter="wipe(up)">
+                                      <p:cBhvr>
+                                        <p:cTn id="30" dur="500"/>
+                                        <p:tgtEl>
+                                          <p:spTgt spid="8">
+                                            <p:txEl>
+                                              <p:pRg st="0" end="0"/>
+                                            </p:txEl>
+                                          </p:spTgt>
+                                        </p:tgtEl>
+                                      </p:cBhvr>
+                                    </p:animEffect>
+                                  </p:childTnLst>
+                                </p:cTn>
+                              </p:par>
+                            </p:childTnLst>
+                          </p:cTn>
+                        </p:par>
+                      </p:childTnLst>
+                    </p:cTn>
+                  </p:par>
+                </p:childTnLst>
+              </p:cTn>
+              <p:prevCondLst>
+                <p:cond evt="onPrev" delay="0">
+                  <p:tgtEl>
+                    <p:sldTgt/>
+                  </p:tgtEl>
+                </p:cond>
+              </p:prevCondLst>
+              <p:nextCondLst>
+                <p:cond evt="onNext" delay="0">
+                  <p:tgtEl>
+                    <p:sldTgt/>
+                  </p:tgtEl>
+                </p:cond>
+              </p:nextCondLst>
+            </p:seq>
+          </p:childTnLst>
+        </p:cTn>
+      </p:par>
+    </p:tnLst>
+    <p:bldLst>
+      <p:bldP spid="6" grpId="0" build="p"/>
+      <p:bldP spid="8" grpId="0" build="p"/>
+    </p:bldLst>
+  </p:timing>
 </p:sld>
 </file>
 
@@ -7604,6 +11593,585 @@
   <p:clrMapOvr>
     <a:masterClrMapping/>
   </p:clrMapOvr>
+  <p:timing>
+    <p:tnLst>
+      <p:par>
+        <p:cTn id="1" dur="indefinite" restart="never" nodeType="tmRoot">
+          <p:childTnLst>
+            <p:seq concurrent="1" nextAc="seek">
+              <p:cTn id="2" dur="indefinite" nodeType="mainSeq">
+                <p:childTnLst>
+                  <p:par>
+                    <p:cTn id="3" fill="hold">
+                      <p:stCondLst>
+                        <p:cond delay="indefinite"/>
+                      </p:stCondLst>
+                      <p:childTnLst>
+                        <p:par>
+                          <p:cTn id="4" fill="hold">
+                            <p:stCondLst>
+                              <p:cond delay="0"/>
+                            </p:stCondLst>
+                            <p:childTnLst>
+                              <p:par>
+                                <p:cTn id="5" presetID="2" presetClass="entr" presetSubtype="4" fill="hold" grpId="0" nodeType="clickEffect">
+                                  <p:stCondLst>
+                                    <p:cond delay="0"/>
+                                  </p:stCondLst>
+                                  <p:childTnLst>
+                                    <p:set>
+                                      <p:cBhvr>
+                                        <p:cTn id="6" dur="1" fill="hold">
+                                          <p:stCondLst>
+                                            <p:cond delay="0"/>
+                                          </p:stCondLst>
+                                        </p:cTn>
+                                        <p:tgtEl>
+                                          <p:spTgt spid="3">
+                                            <p:txEl>
+                                              <p:pRg st="0" end="0"/>
+                                            </p:txEl>
+                                          </p:spTgt>
+                                        </p:tgtEl>
+                                        <p:attrNameLst>
+                                          <p:attrName>style.visibility</p:attrName>
+                                        </p:attrNameLst>
+                                      </p:cBhvr>
+                                      <p:to>
+                                        <p:strVal val="visible"/>
+                                      </p:to>
+                                    </p:set>
+                                    <p:anim calcmode="lin" valueType="num">
+                                      <p:cBhvr additive="base">
+                                        <p:cTn id="7" dur="500" fill="hold"/>
+                                        <p:tgtEl>
+                                          <p:spTgt spid="3">
+                                            <p:txEl>
+                                              <p:pRg st="0" end="0"/>
+                                            </p:txEl>
+                                          </p:spTgt>
+                                        </p:tgtEl>
+                                        <p:attrNameLst>
+                                          <p:attrName>ppt_x</p:attrName>
+                                        </p:attrNameLst>
+                                      </p:cBhvr>
+                                      <p:tavLst>
+                                        <p:tav tm="0">
+                                          <p:val>
+                                            <p:strVal val="#ppt_x"/>
+                                          </p:val>
+                                        </p:tav>
+                                        <p:tav tm="100000">
+                                          <p:val>
+                                            <p:strVal val="#ppt_x"/>
+                                          </p:val>
+                                        </p:tav>
+                                      </p:tavLst>
+                                    </p:anim>
+                                    <p:anim calcmode="lin" valueType="num">
+                                      <p:cBhvr additive="base">
+                                        <p:cTn id="8" dur="500" fill="hold"/>
+                                        <p:tgtEl>
+                                          <p:spTgt spid="3">
+                                            <p:txEl>
+                                              <p:pRg st="0" end="0"/>
+                                            </p:txEl>
+                                          </p:spTgt>
+                                        </p:tgtEl>
+                                        <p:attrNameLst>
+                                          <p:attrName>ppt_y</p:attrName>
+                                        </p:attrNameLst>
+                                      </p:cBhvr>
+                                      <p:tavLst>
+                                        <p:tav tm="0">
+                                          <p:val>
+                                            <p:strVal val="1+#ppt_h/2"/>
+                                          </p:val>
+                                        </p:tav>
+                                        <p:tav tm="100000">
+                                          <p:val>
+                                            <p:strVal val="#ppt_y"/>
+                                          </p:val>
+                                        </p:tav>
+                                      </p:tavLst>
+                                    </p:anim>
+                                  </p:childTnLst>
+                                </p:cTn>
+                              </p:par>
+                              <p:par>
+                                <p:cTn id="9" presetID="2" presetClass="entr" presetSubtype="4" fill="hold" grpId="0" nodeType="withEffect">
+                                  <p:stCondLst>
+                                    <p:cond delay="0"/>
+                                  </p:stCondLst>
+                                  <p:childTnLst>
+                                    <p:set>
+                                      <p:cBhvr>
+                                        <p:cTn id="10" dur="1" fill="hold">
+                                          <p:stCondLst>
+                                            <p:cond delay="0"/>
+                                          </p:stCondLst>
+                                        </p:cTn>
+                                        <p:tgtEl>
+                                          <p:spTgt spid="3">
+                                            <p:txEl>
+                                              <p:pRg st="1" end="1"/>
+                                            </p:txEl>
+                                          </p:spTgt>
+                                        </p:tgtEl>
+                                        <p:attrNameLst>
+                                          <p:attrName>style.visibility</p:attrName>
+                                        </p:attrNameLst>
+                                      </p:cBhvr>
+                                      <p:to>
+                                        <p:strVal val="visible"/>
+                                      </p:to>
+                                    </p:set>
+                                    <p:anim calcmode="lin" valueType="num">
+                                      <p:cBhvr additive="base">
+                                        <p:cTn id="11" dur="500" fill="hold"/>
+                                        <p:tgtEl>
+                                          <p:spTgt spid="3">
+                                            <p:txEl>
+                                              <p:pRg st="1" end="1"/>
+                                            </p:txEl>
+                                          </p:spTgt>
+                                        </p:tgtEl>
+                                        <p:attrNameLst>
+                                          <p:attrName>ppt_x</p:attrName>
+                                        </p:attrNameLst>
+                                      </p:cBhvr>
+                                      <p:tavLst>
+                                        <p:tav tm="0">
+                                          <p:val>
+                                            <p:strVal val="#ppt_x"/>
+                                          </p:val>
+                                        </p:tav>
+                                        <p:tav tm="100000">
+                                          <p:val>
+                                            <p:strVal val="#ppt_x"/>
+                                          </p:val>
+                                        </p:tav>
+                                      </p:tavLst>
+                                    </p:anim>
+                                    <p:anim calcmode="lin" valueType="num">
+                                      <p:cBhvr additive="base">
+                                        <p:cTn id="12" dur="500" fill="hold"/>
+                                        <p:tgtEl>
+                                          <p:spTgt spid="3">
+                                            <p:txEl>
+                                              <p:pRg st="1" end="1"/>
+                                            </p:txEl>
+                                          </p:spTgt>
+                                        </p:tgtEl>
+                                        <p:attrNameLst>
+                                          <p:attrName>ppt_y</p:attrName>
+                                        </p:attrNameLst>
+                                      </p:cBhvr>
+                                      <p:tavLst>
+                                        <p:tav tm="0">
+                                          <p:val>
+                                            <p:strVal val="1+#ppt_h/2"/>
+                                          </p:val>
+                                        </p:tav>
+                                        <p:tav tm="100000">
+                                          <p:val>
+                                            <p:strVal val="#ppt_y"/>
+                                          </p:val>
+                                        </p:tav>
+                                      </p:tavLst>
+                                    </p:anim>
+                                  </p:childTnLst>
+                                </p:cTn>
+                              </p:par>
+                              <p:par>
+                                <p:cTn id="13" presetID="2" presetClass="entr" presetSubtype="4" fill="hold" grpId="0" nodeType="withEffect">
+                                  <p:stCondLst>
+                                    <p:cond delay="0"/>
+                                  </p:stCondLst>
+                                  <p:childTnLst>
+                                    <p:set>
+                                      <p:cBhvr>
+                                        <p:cTn id="14" dur="1" fill="hold">
+                                          <p:stCondLst>
+                                            <p:cond delay="0"/>
+                                          </p:stCondLst>
+                                        </p:cTn>
+                                        <p:tgtEl>
+                                          <p:spTgt spid="3">
+                                            <p:txEl>
+                                              <p:pRg st="2" end="2"/>
+                                            </p:txEl>
+                                          </p:spTgt>
+                                        </p:tgtEl>
+                                        <p:attrNameLst>
+                                          <p:attrName>style.visibility</p:attrName>
+                                        </p:attrNameLst>
+                                      </p:cBhvr>
+                                      <p:to>
+                                        <p:strVal val="visible"/>
+                                      </p:to>
+                                    </p:set>
+                                    <p:anim calcmode="lin" valueType="num">
+                                      <p:cBhvr additive="base">
+                                        <p:cTn id="15" dur="500" fill="hold"/>
+                                        <p:tgtEl>
+                                          <p:spTgt spid="3">
+                                            <p:txEl>
+                                              <p:pRg st="2" end="2"/>
+                                            </p:txEl>
+                                          </p:spTgt>
+                                        </p:tgtEl>
+                                        <p:attrNameLst>
+                                          <p:attrName>ppt_x</p:attrName>
+                                        </p:attrNameLst>
+                                      </p:cBhvr>
+                                      <p:tavLst>
+                                        <p:tav tm="0">
+                                          <p:val>
+                                            <p:strVal val="#ppt_x"/>
+                                          </p:val>
+                                        </p:tav>
+                                        <p:tav tm="100000">
+                                          <p:val>
+                                            <p:strVal val="#ppt_x"/>
+                                          </p:val>
+                                        </p:tav>
+                                      </p:tavLst>
+                                    </p:anim>
+                                    <p:anim calcmode="lin" valueType="num">
+                                      <p:cBhvr additive="base">
+                                        <p:cTn id="16" dur="500" fill="hold"/>
+                                        <p:tgtEl>
+                                          <p:spTgt spid="3">
+                                            <p:txEl>
+                                              <p:pRg st="2" end="2"/>
+                                            </p:txEl>
+                                          </p:spTgt>
+                                        </p:tgtEl>
+                                        <p:attrNameLst>
+                                          <p:attrName>ppt_y</p:attrName>
+                                        </p:attrNameLst>
+                                      </p:cBhvr>
+                                      <p:tavLst>
+                                        <p:tav tm="0">
+                                          <p:val>
+                                            <p:strVal val="1+#ppt_h/2"/>
+                                          </p:val>
+                                        </p:tav>
+                                        <p:tav tm="100000">
+                                          <p:val>
+                                            <p:strVal val="#ppt_y"/>
+                                          </p:val>
+                                        </p:tav>
+                                      </p:tavLst>
+                                    </p:anim>
+                                  </p:childTnLst>
+                                </p:cTn>
+                              </p:par>
+                            </p:childTnLst>
+                          </p:cTn>
+                        </p:par>
+                      </p:childTnLst>
+                    </p:cTn>
+                  </p:par>
+                  <p:par>
+                    <p:cTn id="17" fill="hold">
+                      <p:stCondLst>
+                        <p:cond delay="indefinite"/>
+                      </p:stCondLst>
+                      <p:childTnLst>
+                        <p:par>
+                          <p:cTn id="18" fill="hold">
+                            <p:stCondLst>
+                              <p:cond delay="0"/>
+                            </p:stCondLst>
+                            <p:childTnLst>
+                              <p:par>
+                                <p:cTn id="19" presetID="2" presetClass="entr" presetSubtype="4" fill="hold" grpId="0" nodeType="clickEffect">
+                                  <p:stCondLst>
+                                    <p:cond delay="0"/>
+                                  </p:stCondLst>
+                                  <p:childTnLst>
+                                    <p:set>
+                                      <p:cBhvr>
+                                        <p:cTn id="20" dur="1" fill="hold">
+                                          <p:stCondLst>
+                                            <p:cond delay="0"/>
+                                          </p:stCondLst>
+                                        </p:cTn>
+                                        <p:tgtEl>
+                                          <p:spTgt spid="3">
+                                            <p:txEl>
+                                              <p:pRg st="3" end="3"/>
+                                            </p:txEl>
+                                          </p:spTgt>
+                                        </p:tgtEl>
+                                        <p:attrNameLst>
+                                          <p:attrName>style.visibility</p:attrName>
+                                        </p:attrNameLst>
+                                      </p:cBhvr>
+                                      <p:to>
+                                        <p:strVal val="visible"/>
+                                      </p:to>
+                                    </p:set>
+                                    <p:anim calcmode="lin" valueType="num">
+                                      <p:cBhvr additive="base">
+                                        <p:cTn id="21" dur="500" fill="hold"/>
+                                        <p:tgtEl>
+                                          <p:spTgt spid="3">
+                                            <p:txEl>
+                                              <p:pRg st="3" end="3"/>
+                                            </p:txEl>
+                                          </p:spTgt>
+                                        </p:tgtEl>
+                                        <p:attrNameLst>
+                                          <p:attrName>ppt_x</p:attrName>
+                                        </p:attrNameLst>
+                                      </p:cBhvr>
+                                      <p:tavLst>
+                                        <p:tav tm="0">
+                                          <p:val>
+                                            <p:strVal val="#ppt_x"/>
+                                          </p:val>
+                                        </p:tav>
+                                        <p:tav tm="100000">
+                                          <p:val>
+                                            <p:strVal val="#ppt_x"/>
+                                          </p:val>
+                                        </p:tav>
+                                      </p:tavLst>
+                                    </p:anim>
+                                    <p:anim calcmode="lin" valueType="num">
+                                      <p:cBhvr additive="base">
+                                        <p:cTn id="22" dur="500" fill="hold"/>
+                                        <p:tgtEl>
+                                          <p:spTgt spid="3">
+                                            <p:txEl>
+                                              <p:pRg st="3" end="3"/>
+                                            </p:txEl>
+                                          </p:spTgt>
+                                        </p:tgtEl>
+                                        <p:attrNameLst>
+                                          <p:attrName>ppt_y</p:attrName>
+                                        </p:attrNameLst>
+                                      </p:cBhvr>
+                                      <p:tavLst>
+                                        <p:tav tm="0">
+                                          <p:val>
+                                            <p:strVal val="1+#ppt_h/2"/>
+                                          </p:val>
+                                        </p:tav>
+                                        <p:tav tm="100000">
+                                          <p:val>
+                                            <p:strVal val="#ppt_y"/>
+                                          </p:val>
+                                        </p:tav>
+                                      </p:tavLst>
+                                    </p:anim>
+                                  </p:childTnLst>
+                                </p:cTn>
+                              </p:par>
+                              <p:par>
+                                <p:cTn id="23" presetID="2" presetClass="entr" presetSubtype="4" fill="hold" grpId="0" nodeType="withEffect">
+                                  <p:stCondLst>
+                                    <p:cond delay="0"/>
+                                  </p:stCondLst>
+                                  <p:childTnLst>
+                                    <p:set>
+                                      <p:cBhvr>
+                                        <p:cTn id="24" dur="1" fill="hold">
+                                          <p:stCondLst>
+                                            <p:cond delay="0"/>
+                                          </p:stCondLst>
+                                        </p:cTn>
+                                        <p:tgtEl>
+                                          <p:spTgt spid="3">
+                                            <p:txEl>
+                                              <p:pRg st="4" end="4"/>
+                                            </p:txEl>
+                                          </p:spTgt>
+                                        </p:tgtEl>
+                                        <p:attrNameLst>
+                                          <p:attrName>style.visibility</p:attrName>
+                                        </p:attrNameLst>
+                                      </p:cBhvr>
+                                      <p:to>
+                                        <p:strVal val="visible"/>
+                                      </p:to>
+                                    </p:set>
+                                    <p:anim calcmode="lin" valueType="num">
+                                      <p:cBhvr additive="base">
+                                        <p:cTn id="25" dur="500" fill="hold"/>
+                                        <p:tgtEl>
+                                          <p:spTgt spid="3">
+                                            <p:txEl>
+                                              <p:pRg st="4" end="4"/>
+                                            </p:txEl>
+                                          </p:spTgt>
+                                        </p:tgtEl>
+                                        <p:attrNameLst>
+                                          <p:attrName>ppt_x</p:attrName>
+                                        </p:attrNameLst>
+                                      </p:cBhvr>
+                                      <p:tavLst>
+                                        <p:tav tm="0">
+                                          <p:val>
+                                            <p:strVal val="#ppt_x"/>
+                                          </p:val>
+                                        </p:tav>
+                                        <p:tav tm="100000">
+                                          <p:val>
+                                            <p:strVal val="#ppt_x"/>
+                                          </p:val>
+                                        </p:tav>
+                                      </p:tavLst>
+                                    </p:anim>
+                                    <p:anim calcmode="lin" valueType="num">
+                                      <p:cBhvr additive="base">
+                                        <p:cTn id="26" dur="500" fill="hold"/>
+                                        <p:tgtEl>
+                                          <p:spTgt spid="3">
+                                            <p:txEl>
+                                              <p:pRg st="4" end="4"/>
+                                            </p:txEl>
+                                          </p:spTgt>
+                                        </p:tgtEl>
+                                        <p:attrNameLst>
+                                          <p:attrName>ppt_y</p:attrName>
+                                        </p:attrNameLst>
+                                      </p:cBhvr>
+                                      <p:tavLst>
+                                        <p:tav tm="0">
+                                          <p:val>
+                                            <p:strVal val="1+#ppt_h/2"/>
+                                          </p:val>
+                                        </p:tav>
+                                        <p:tav tm="100000">
+                                          <p:val>
+                                            <p:strVal val="#ppt_y"/>
+                                          </p:val>
+                                        </p:tav>
+                                      </p:tavLst>
+                                    </p:anim>
+                                  </p:childTnLst>
+                                </p:cTn>
+                              </p:par>
+                              <p:par>
+                                <p:cTn id="27" presetID="2" presetClass="entr" presetSubtype="4" fill="hold" grpId="0" nodeType="withEffect">
+                                  <p:stCondLst>
+                                    <p:cond delay="0"/>
+                                  </p:stCondLst>
+                                  <p:childTnLst>
+                                    <p:set>
+                                      <p:cBhvr>
+                                        <p:cTn id="28" dur="1" fill="hold">
+                                          <p:stCondLst>
+                                            <p:cond delay="0"/>
+                                          </p:stCondLst>
+                                        </p:cTn>
+                                        <p:tgtEl>
+                                          <p:spTgt spid="3">
+                                            <p:txEl>
+                                              <p:pRg st="5" end="5"/>
+                                            </p:txEl>
+                                          </p:spTgt>
+                                        </p:tgtEl>
+                                        <p:attrNameLst>
+                                          <p:attrName>style.visibility</p:attrName>
+                                        </p:attrNameLst>
+                                      </p:cBhvr>
+                                      <p:to>
+                                        <p:strVal val="visible"/>
+                                      </p:to>
+                                    </p:set>
+                                    <p:anim calcmode="lin" valueType="num">
+                                      <p:cBhvr additive="base">
+                                        <p:cTn id="29" dur="500" fill="hold"/>
+                                        <p:tgtEl>
+                                          <p:spTgt spid="3">
+                                            <p:txEl>
+                                              <p:pRg st="5" end="5"/>
+                                            </p:txEl>
+                                          </p:spTgt>
+                                        </p:tgtEl>
+                                        <p:attrNameLst>
+                                          <p:attrName>ppt_x</p:attrName>
+                                        </p:attrNameLst>
+                                      </p:cBhvr>
+                                      <p:tavLst>
+                                        <p:tav tm="0">
+                                          <p:val>
+                                            <p:strVal val="#ppt_x"/>
+                                          </p:val>
+                                        </p:tav>
+                                        <p:tav tm="100000">
+                                          <p:val>
+                                            <p:strVal val="#ppt_x"/>
+                                          </p:val>
+                                        </p:tav>
+                                      </p:tavLst>
+                                    </p:anim>
+                                    <p:anim calcmode="lin" valueType="num">
+                                      <p:cBhvr additive="base">
+                                        <p:cTn id="30" dur="500" fill="hold"/>
+                                        <p:tgtEl>
+                                          <p:spTgt spid="3">
+                                            <p:txEl>
+                                              <p:pRg st="5" end="5"/>
+                                            </p:txEl>
+                                          </p:spTgt>
+                                        </p:tgtEl>
+                                        <p:attrNameLst>
+                                          <p:attrName>ppt_y</p:attrName>
+                                        </p:attrNameLst>
+                                      </p:cBhvr>
+                                      <p:tavLst>
+                                        <p:tav tm="0">
+                                          <p:val>
+                                            <p:strVal val="1+#ppt_h/2"/>
+                                          </p:val>
+                                        </p:tav>
+                                        <p:tav tm="100000">
+                                          <p:val>
+                                            <p:strVal val="#ppt_y"/>
+                                          </p:val>
+                                        </p:tav>
+                                      </p:tavLst>
+                                    </p:anim>
+                                  </p:childTnLst>
+                                </p:cTn>
+                              </p:par>
+                            </p:childTnLst>
+                          </p:cTn>
+                        </p:par>
+                      </p:childTnLst>
+                    </p:cTn>
+                  </p:par>
+                </p:childTnLst>
+              </p:cTn>
+              <p:prevCondLst>
+                <p:cond evt="onPrev" delay="0">
+                  <p:tgtEl>
+                    <p:sldTgt/>
+                  </p:tgtEl>
+                </p:cond>
+              </p:prevCondLst>
+              <p:nextCondLst>
+                <p:cond evt="onNext" delay="0">
+                  <p:tgtEl>
+                    <p:sldTgt/>
+                  </p:tgtEl>
+                </p:cond>
+              </p:nextCondLst>
+            </p:seq>
+          </p:childTnLst>
+        </p:cTn>
+      </p:par>
+    </p:tnLst>
+    <p:bldLst>
+      <p:bldP spid="3" grpId="0" build="p"/>
+    </p:bldLst>
+  </p:timing>
 </p:sld>
 </file>
 
@@ -7710,6 +12278,13 @@
   <p:clrMapOvr>
     <a:masterClrMapping/>
   </p:clrMapOvr>
+  <p:timing>
+    <p:tnLst>
+      <p:par>
+        <p:cTn id="1" dur="indefinite" restart="never" nodeType="tmRoot"/>
+      </p:par>
+    </p:tnLst>
+  </p:timing>
 </p:sld>
 </file>
 
